--- a/최종설계프로젝트/발표자료 셋업/server matrix control.pptx
+++ b/최종설계프로젝트/발표자료 셋업/server matrix control.pptx
@@ -8,6 +8,7 @@
     <p:sldId id="256" r:id="rId2"/>
     <p:sldId id="258" r:id="rId3"/>
     <p:sldId id="257" r:id="rId4"/>
+    <p:sldId id="259" r:id="rId5"/>
   </p:sldIdLst>
   <p:sldSz cx="12192000" cy="6858000"/>
   <p:notesSz cx="6858000" cy="9144000"/>
@@ -385,7 +386,7 @@
           <a:p>
             <a:fld id="{59B5629A-4629-4D50-9073-43817A0AA1AA}" type="datetimeFigureOut">
               <a:rPr lang="ko-KR" altLang="en-US" smtClean="0"/>
-              <a:t>2021-12-03</a:t>
+              <a:t>2021-12-04</a:t>
             </a:fld>
             <a:endParaRPr lang="ko-KR" altLang="en-US"/>
           </a:p>
@@ -583,7 +584,7 @@
           <a:p>
             <a:fld id="{59B5629A-4629-4D50-9073-43817A0AA1AA}" type="datetimeFigureOut">
               <a:rPr lang="ko-KR" altLang="en-US" smtClean="0"/>
-              <a:t>2021-12-03</a:t>
+              <a:t>2021-12-04</a:t>
             </a:fld>
             <a:endParaRPr lang="ko-KR" altLang="en-US"/>
           </a:p>
@@ -791,7 +792,7 @@
           <a:p>
             <a:fld id="{59B5629A-4629-4D50-9073-43817A0AA1AA}" type="datetimeFigureOut">
               <a:rPr lang="ko-KR" altLang="en-US" smtClean="0"/>
-              <a:t>2021-12-03</a:t>
+              <a:t>2021-12-04</a:t>
             </a:fld>
             <a:endParaRPr lang="ko-KR" altLang="en-US"/>
           </a:p>
@@ -989,7 +990,7 @@
           <a:p>
             <a:fld id="{59B5629A-4629-4D50-9073-43817A0AA1AA}" type="datetimeFigureOut">
               <a:rPr lang="ko-KR" altLang="en-US" smtClean="0"/>
-              <a:t>2021-12-03</a:t>
+              <a:t>2021-12-04</a:t>
             </a:fld>
             <a:endParaRPr lang="ko-KR" altLang="en-US"/>
           </a:p>
@@ -1264,7 +1265,7 @@
           <a:p>
             <a:fld id="{59B5629A-4629-4D50-9073-43817A0AA1AA}" type="datetimeFigureOut">
               <a:rPr lang="ko-KR" altLang="en-US" smtClean="0"/>
-              <a:t>2021-12-03</a:t>
+              <a:t>2021-12-04</a:t>
             </a:fld>
             <a:endParaRPr lang="ko-KR" altLang="en-US"/>
           </a:p>
@@ -1529,7 +1530,7 @@
           <a:p>
             <a:fld id="{59B5629A-4629-4D50-9073-43817A0AA1AA}" type="datetimeFigureOut">
               <a:rPr lang="ko-KR" altLang="en-US" smtClean="0"/>
-              <a:t>2021-12-03</a:t>
+              <a:t>2021-12-04</a:t>
             </a:fld>
             <a:endParaRPr lang="ko-KR" altLang="en-US"/>
           </a:p>
@@ -1941,7 +1942,7 @@
           <a:p>
             <a:fld id="{59B5629A-4629-4D50-9073-43817A0AA1AA}" type="datetimeFigureOut">
               <a:rPr lang="ko-KR" altLang="en-US" smtClean="0"/>
-              <a:t>2021-12-03</a:t>
+              <a:t>2021-12-04</a:t>
             </a:fld>
             <a:endParaRPr lang="ko-KR" altLang="en-US"/>
           </a:p>
@@ -2082,7 +2083,7 @@
           <a:p>
             <a:fld id="{59B5629A-4629-4D50-9073-43817A0AA1AA}" type="datetimeFigureOut">
               <a:rPr lang="ko-KR" altLang="en-US" smtClean="0"/>
-              <a:t>2021-12-03</a:t>
+              <a:t>2021-12-04</a:t>
             </a:fld>
             <a:endParaRPr lang="ko-KR" altLang="en-US"/>
           </a:p>
@@ -2195,7 +2196,7 @@
           <a:p>
             <a:fld id="{59B5629A-4629-4D50-9073-43817A0AA1AA}" type="datetimeFigureOut">
               <a:rPr lang="ko-KR" altLang="en-US" smtClean="0"/>
-              <a:t>2021-12-03</a:t>
+              <a:t>2021-12-04</a:t>
             </a:fld>
             <a:endParaRPr lang="ko-KR" altLang="en-US"/>
           </a:p>
@@ -2506,7 +2507,7 @@
           <a:p>
             <a:fld id="{59B5629A-4629-4D50-9073-43817A0AA1AA}" type="datetimeFigureOut">
               <a:rPr lang="ko-KR" altLang="en-US" smtClean="0"/>
-              <a:t>2021-12-03</a:t>
+              <a:t>2021-12-04</a:t>
             </a:fld>
             <a:endParaRPr lang="ko-KR" altLang="en-US"/>
           </a:p>
@@ -2794,7 +2795,7 @@
           <a:p>
             <a:fld id="{59B5629A-4629-4D50-9073-43817A0AA1AA}" type="datetimeFigureOut">
               <a:rPr lang="ko-KR" altLang="en-US" smtClean="0"/>
-              <a:t>2021-12-03</a:t>
+              <a:t>2021-12-04</a:t>
             </a:fld>
             <a:endParaRPr lang="ko-KR" altLang="en-US"/>
           </a:p>
@@ -3035,7 +3036,7 @@
           <a:p>
             <a:fld id="{59B5629A-4629-4D50-9073-43817A0AA1AA}" type="datetimeFigureOut">
               <a:rPr lang="ko-KR" altLang="en-US" smtClean="0"/>
-              <a:t>2021-12-03</a:t>
+              <a:t>2021-12-04</a:t>
             </a:fld>
             <a:endParaRPr lang="ko-KR" altLang="en-US"/>
           </a:p>
@@ -4461,8 +4462,8 @@
         </p:nvSpPr>
         <p:spPr>
           <a:xfrm>
-            <a:off x="150920" y="3995678"/>
-            <a:ext cx="4208016" cy="2862322"/>
+            <a:off x="160545" y="4872841"/>
+            <a:ext cx="9281838" cy="1754326"/>
           </a:xfrm>
           <a:prstGeom prst="rect">
             <a:avLst/>
@@ -4482,6 +4483,22 @@
             <a:endParaRPr lang="en-US" altLang="ko-KR" dirty="0"/>
           </a:p>
           <a:p>
+            <a:r>
+              <a:rPr lang="en-US" altLang="ko-KR" dirty="0"/>
+              <a:t>LG </a:t>
+            </a:r>
+            <a:r>
+              <a:rPr lang="ko-KR" altLang="en-US" dirty="0"/>
+              <a:t>전자 무선 </a:t>
+            </a:r>
+            <a:r>
+              <a:rPr lang="ko-KR" altLang="en-US" dirty="0" err="1"/>
+              <a:t>킥보드</a:t>
+            </a:r>
+            <a:r>
+              <a:rPr lang="ko-KR" altLang="en-US" dirty="0"/>
+              <a:t> 충전소 관련</a:t>
+            </a:r>
             <a:endParaRPr lang="en-US" altLang="ko-KR" dirty="0"/>
           </a:p>
           <a:p>
@@ -4511,6 +4528,650 @@
     <p:extLst>
       <p:ext uri="{BB962C8B-B14F-4D97-AF65-F5344CB8AC3E}">
         <p14:creationId xmlns:p14="http://schemas.microsoft.com/office/powerpoint/2010/main" val="1514634150"/>
+      </p:ext>
+    </p:extLst>
+  </p:cSld>
+  <p:clrMapOvr>
+    <a:masterClrMapping/>
+  </p:clrMapOvr>
+</p:sld>
+</file>
+
+<file path=ppt/slides/slide4.xml><?xml version="1.0" encoding="utf-8"?>
+<p:sld xmlns:a="http://schemas.openxmlformats.org/drawingml/2006/main" xmlns:r="http://schemas.openxmlformats.org/officeDocument/2006/relationships" xmlns:p="http://schemas.openxmlformats.org/presentationml/2006/main">
+  <p:cSld>
+    <p:spTree>
+      <p:nvGrpSpPr>
+        <p:cNvPr id="1" name=""/>
+        <p:cNvGrpSpPr/>
+        <p:nvPr/>
+      </p:nvGrpSpPr>
+      <p:grpSpPr>
+        <a:xfrm>
+          <a:off x="0" y="0"/>
+          <a:ext cx="0" cy="0"/>
+          <a:chOff x="0" y="0"/>
+          <a:chExt cx="0" cy="0"/>
+        </a:xfrm>
+      </p:grpSpPr>
+      <p:sp>
+        <p:nvSpPr>
+          <p:cNvPr id="3" name="내용 개체 틀 2">
+            <a:extLst>
+              <a:ext uri="{FF2B5EF4-FFF2-40B4-BE49-F238E27FC236}">
+                <a16:creationId xmlns:a16="http://schemas.microsoft.com/office/drawing/2014/main" id="{62EC67BA-62DE-464C-9463-58E84845AC85}"/>
+              </a:ext>
+            </a:extLst>
+          </p:cNvPr>
+          <p:cNvSpPr>
+            <a:spLocks noGrp="1"/>
+          </p:cNvSpPr>
+          <p:nvPr>
+            <p:ph idx="1"/>
+          </p:nvPr>
+        </p:nvSpPr>
+        <p:spPr>
+          <a:xfrm>
+            <a:off x="222183" y="189331"/>
+            <a:ext cx="8055543" cy="763571"/>
+          </a:xfrm>
+        </p:spPr>
+        <p:txBody>
+          <a:bodyPr>
+            <a:normAutofit/>
+          </a:bodyPr>
+          <a:lstStyle/>
+          <a:p>
+            <a:r>
+              <a:rPr lang="en-US" altLang="ko-KR" sz="1700" dirty="0">
+                <a:hlinkClick r:id="rId2"/>
+              </a:rPr>
+              <a:t>https://www.donga.com/news/Society/article/all/20210513/106906796/1</a:t>
+            </a:r>
+            <a:endParaRPr lang="en-US" altLang="ko-KR" sz="1700" dirty="0"/>
+          </a:p>
+          <a:p>
+            <a:r>
+              <a:rPr lang="ko-KR" altLang="en-US" sz="1200" b="1" i="0" dirty="0">
+                <a:solidFill>
+                  <a:srgbClr val="000000"/>
+                </a:solidFill>
+                <a:effectLst/>
+                <a:latin typeface="맑은 고딕" panose="020B0503020000020004" pitchFamily="50" charset="-127"/>
+                <a:ea typeface="맑은 고딕" panose="020B0503020000020004" pitchFamily="50" charset="-127"/>
+              </a:rPr>
+              <a:t>“</a:t>
+            </a:r>
+            <a:r>
+              <a:rPr lang="ko-KR" altLang="en-US" sz="1200" b="1" i="0" dirty="0" err="1">
+                <a:solidFill>
+                  <a:srgbClr val="000000"/>
+                </a:solidFill>
+                <a:effectLst/>
+                <a:latin typeface="맑은 고딕" panose="020B0503020000020004" pitchFamily="50" charset="-127"/>
+                <a:ea typeface="맑은 고딕" panose="020B0503020000020004" pitchFamily="50" charset="-127"/>
+              </a:rPr>
+              <a:t>오늘부터라고</a:t>
+            </a:r>
+            <a:r>
+              <a:rPr lang="en-US" altLang="ko-KR" sz="1200" b="1" i="0" dirty="0">
+                <a:solidFill>
+                  <a:srgbClr val="000000"/>
+                </a:solidFill>
+                <a:effectLst/>
+                <a:latin typeface="맑은 고딕" panose="020B0503020000020004" pitchFamily="50" charset="-127"/>
+                <a:ea typeface="맑은 고딕" panose="020B0503020000020004" pitchFamily="50" charset="-127"/>
+              </a:rPr>
+              <a:t>?”…</a:t>
+            </a:r>
+            <a:r>
+              <a:rPr lang="ko-KR" altLang="en-US" sz="1200" b="1" i="0" dirty="0" err="1">
+                <a:solidFill>
+                  <a:srgbClr val="000000"/>
+                </a:solidFill>
+                <a:effectLst/>
+                <a:latin typeface="맑은 고딕" panose="020B0503020000020004" pitchFamily="50" charset="-127"/>
+                <a:ea typeface="맑은 고딕" panose="020B0503020000020004" pitchFamily="50" charset="-127"/>
+              </a:rPr>
+              <a:t>킥보드</a:t>
+            </a:r>
+            <a:r>
+              <a:rPr lang="ko-KR" altLang="en-US" sz="1200" b="1" i="0" dirty="0">
+                <a:solidFill>
+                  <a:srgbClr val="000000"/>
+                </a:solidFill>
+                <a:effectLst/>
+                <a:latin typeface="맑은 고딕" panose="020B0503020000020004" pitchFamily="50" charset="-127"/>
+                <a:ea typeface="맑은 고딕" panose="020B0503020000020004" pitchFamily="50" charset="-127"/>
+              </a:rPr>
+              <a:t> 단속 첫날 ‘</a:t>
+            </a:r>
+            <a:r>
+              <a:rPr lang="ko-KR" altLang="en-US" sz="1200" b="1" i="0" dirty="0" err="1">
+                <a:solidFill>
+                  <a:srgbClr val="000000"/>
+                </a:solidFill>
+                <a:effectLst/>
+                <a:latin typeface="맑은 고딕" panose="020B0503020000020004" pitchFamily="50" charset="-127"/>
+                <a:ea typeface="맑은 고딕" panose="020B0503020000020004" pitchFamily="50" charset="-127"/>
+              </a:rPr>
+              <a:t>노헬멧</a:t>
+            </a:r>
+            <a:r>
+              <a:rPr lang="ko-KR" altLang="en-US" sz="1200" b="1" i="0" dirty="0">
+                <a:solidFill>
+                  <a:srgbClr val="000000"/>
+                </a:solidFill>
+                <a:effectLst/>
+                <a:latin typeface="맑은 고딕" panose="020B0503020000020004" pitchFamily="50" charset="-127"/>
+                <a:ea typeface="맑은 고딕" panose="020B0503020000020004" pitchFamily="50" charset="-127"/>
+              </a:rPr>
+              <a:t>’ 다수 적발</a:t>
+            </a:r>
+          </a:p>
+          <a:p>
+            <a:pPr marL="0" indent="0">
+              <a:buNone/>
+            </a:pPr>
+            <a:endParaRPr lang="en-US" altLang="ko-KR" sz="1700" dirty="0"/>
+          </a:p>
+        </p:txBody>
+      </p:sp>
+      <p:sp>
+        <p:nvSpPr>
+          <p:cNvPr id="4" name="TextBox 3">
+            <a:extLst>
+              <a:ext uri="{FF2B5EF4-FFF2-40B4-BE49-F238E27FC236}">
+                <a16:creationId xmlns:a16="http://schemas.microsoft.com/office/drawing/2014/main" id="{76CE7331-7C0D-488F-9282-BD02374B2ED1}"/>
+              </a:ext>
+            </a:extLst>
+          </p:cNvPr>
+          <p:cNvSpPr txBox="1"/>
+          <p:nvPr/>
+        </p:nvSpPr>
+        <p:spPr>
+          <a:xfrm>
+            <a:off x="222183" y="952902"/>
+            <a:ext cx="8566484" cy="5509200"/>
+          </a:xfrm>
+          <a:prstGeom prst="rect">
+            <a:avLst/>
+          </a:prstGeom>
+          <a:noFill/>
+        </p:spPr>
+        <p:txBody>
+          <a:bodyPr wrap="square" rtlCol="0">
+            <a:spAutoFit/>
+          </a:bodyPr>
+          <a:lstStyle/>
+          <a:p>
+            <a:r>
+              <a:rPr lang="en-US" altLang="ko-KR" sz="1600" dirty="0">
+                <a:hlinkClick r:id="rId3"/>
+              </a:rPr>
+              <a:t>https://www.hani.co.kr/arti/economy/finance/1002005.html</a:t>
+            </a:r>
+            <a:endParaRPr lang="en-US" altLang="ko-KR" sz="1600" dirty="0"/>
+          </a:p>
+          <a:p>
+            <a:r>
+              <a:rPr lang="ko-KR" altLang="en-US" sz="1600" dirty="0"/>
+              <a:t>전동 </a:t>
+            </a:r>
+            <a:r>
+              <a:rPr lang="ko-KR" altLang="en-US" sz="1600" dirty="0" err="1"/>
+              <a:t>킥보드</a:t>
+            </a:r>
+            <a:r>
+              <a:rPr lang="ko-KR" altLang="en-US" sz="1600" dirty="0"/>
+              <a:t> 사고 급증 관련</a:t>
+            </a:r>
+            <a:endParaRPr lang="en-US" altLang="ko-KR" sz="1600" dirty="0"/>
+          </a:p>
+          <a:p>
+            <a:r>
+              <a:rPr lang="en-US" altLang="ko-KR" sz="1600" dirty="0"/>
+              <a:t>: </a:t>
+            </a:r>
+            <a:r>
+              <a:rPr lang="ko-KR" altLang="en-US" sz="1600" dirty="0"/>
+              <a:t>안전모 미착용</a:t>
+            </a:r>
+            <a:r>
+              <a:rPr lang="en-US" altLang="ko-KR" sz="1600" dirty="0"/>
+              <a:t>, </a:t>
+            </a:r>
+            <a:r>
+              <a:rPr lang="ko-KR" altLang="en-US" sz="1600" dirty="0"/>
+              <a:t>사고 추이 및 피해금액 관련 언급</a:t>
+            </a:r>
+            <a:endParaRPr lang="en-US" altLang="ko-KR" sz="1600" dirty="0"/>
+          </a:p>
+          <a:p>
+            <a:endParaRPr lang="en-US" altLang="ko-KR" sz="1600" dirty="0"/>
+          </a:p>
+          <a:p>
+            <a:r>
+              <a:rPr lang="en-US" altLang="ko-KR" sz="1600" dirty="0">
+                <a:hlinkClick r:id="rId4"/>
+              </a:rPr>
+              <a:t>https://www.joongang.co.kr/article/24026224#home</a:t>
+            </a:r>
+            <a:endParaRPr lang="en-US" altLang="ko-KR" sz="1600" dirty="0"/>
+          </a:p>
+          <a:p>
+            <a:r>
+              <a:rPr lang="ko-KR" altLang="en-US" sz="1600" dirty="0"/>
+              <a:t>동일한 내용</a:t>
+            </a:r>
+            <a:r>
+              <a:rPr lang="en-US" altLang="ko-KR" sz="1600" dirty="0"/>
+              <a:t>- </a:t>
+            </a:r>
+            <a:r>
+              <a:rPr lang="ko-KR" altLang="en-US" sz="1600" dirty="0"/>
+              <a:t>사고추이 그래프 있음</a:t>
+            </a:r>
+            <a:endParaRPr lang="en-US" altLang="ko-KR" sz="1600" dirty="0"/>
+          </a:p>
+          <a:p>
+            <a:endParaRPr lang="en-US" altLang="ko-KR" sz="1600" dirty="0"/>
+          </a:p>
+          <a:p>
+            <a:r>
+              <a:rPr lang="en-US" altLang="ko-KR" sz="1600" dirty="0">
+                <a:hlinkClick r:id="rId5"/>
+              </a:rPr>
+              <a:t>https://www.techm.kr/news/articleView.html?idxno=88385</a:t>
+            </a:r>
+            <a:endParaRPr lang="en-US" altLang="ko-KR" sz="1600" dirty="0"/>
+          </a:p>
+          <a:p>
+            <a:r>
+              <a:rPr lang="ko-KR" altLang="en-US" sz="1600" b="1" i="0" dirty="0">
+                <a:solidFill>
+                  <a:srgbClr val="222222"/>
+                </a:solidFill>
+                <a:effectLst/>
+                <a:latin typeface="Noto Sans KR"/>
+              </a:rPr>
+              <a:t>여전히 헬멧 </a:t>
+            </a:r>
+            <a:r>
+              <a:rPr lang="ko-KR" altLang="en-US" sz="1600" b="1" i="0" dirty="0" err="1">
+                <a:solidFill>
+                  <a:srgbClr val="222222"/>
+                </a:solidFill>
+                <a:effectLst/>
+                <a:latin typeface="Noto Sans KR"/>
+              </a:rPr>
+              <a:t>안쓴</a:t>
+            </a:r>
+            <a:r>
+              <a:rPr lang="ko-KR" altLang="en-US" sz="1600" b="1" i="0" dirty="0">
+                <a:solidFill>
+                  <a:srgbClr val="222222"/>
+                </a:solidFill>
+                <a:effectLst/>
+                <a:latin typeface="Noto Sans KR"/>
+              </a:rPr>
+              <a:t> 이용자가 태반</a:t>
+            </a:r>
+            <a:br>
+              <a:rPr lang="ko-KR" altLang="en-US" sz="1600" b="1" i="0" dirty="0">
+                <a:solidFill>
+                  <a:srgbClr val="222222"/>
+                </a:solidFill>
+                <a:effectLst/>
+                <a:latin typeface="Noto Sans KR"/>
+              </a:rPr>
+            </a:br>
+            <a:r>
+              <a:rPr lang="ko-KR" altLang="en-US" sz="1600" b="1" i="0" dirty="0">
+                <a:solidFill>
+                  <a:srgbClr val="222222"/>
+                </a:solidFill>
+                <a:effectLst/>
+                <a:latin typeface="Noto Sans KR"/>
+              </a:rPr>
+              <a:t>업체는 </a:t>
+            </a:r>
+            <a:r>
+              <a:rPr lang="en-US" altLang="ko-KR" sz="1600" b="1" i="0" dirty="0">
+                <a:solidFill>
+                  <a:srgbClr val="222222"/>
+                </a:solidFill>
+                <a:effectLst/>
+                <a:latin typeface="Noto Sans KR"/>
+              </a:rPr>
+              <a:t>'</a:t>
+            </a:r>
+            <a:r>
+              <a:rPr lang="ko-KR" altLang="en-US" sz="1600" b="1" i="0" dirty="0">
+                <a:solidFill>
+                  <a:srgbClr val="222222"/>
+                </a:solidFill>
+                <a:effectLst/>
+                <a:latin typeface="Noto Sans KR"/>
+              </a:rPr>
+              <a:t>불법주차</a:t>
+            </a:r>
+            <a:r>
+              <a:rPr lang="en-US" altLang="ko-KR" sz="1600" b="1" i="0" dirty="0">
+                <a:solidFill>
+                  <a:srgbClr val="222222"/>
+                </a:solidFill>
+                <a:effectLst/>
+                <a:latin typeface="Noto Sans KR"/>
+              </a:rPr>
+              <a:t>·</a:t>
+            </a:r>
+            <a:r>
+              <a:rPr lang="ko-KR" altLang="en-US" sz="1600" b="1" i="0" dirty="0">
+                <a:solidFill>
+                  <a:srgbClr val="222222"/>
+                </a:solidFill>
+                <a:effectLst/>
+                <a:latin typeface="Noto Sans KR"/>
+              </a:rPr>
+              <a:t>헬멧 손실</a:t>
+            </a:r>
+            <a:r>
+              <a:rPr lang="en-US" altLang="ko-KR" sz="1600" b="1" i="0" dirty="0">
+                <a:solidFill>
+                  <a:srgbClr val="222222"/>
+                </a:solidFill>
+                <a:effectLst/>
+                <a:latin typeface="Noto Sans KR"/>
+              </a:rPr>
+              <a:t>'</a:t>
+            </a:r>
+            <a:r>
+              <a:rPr lang="ko-KR" altLang="en-US" sz="1600" b="1" i="0" dirty="0">
+                <a:solidFill>
+                  <a:srgbClr val="222222"/>
+                </a:solidFill>
+                <a:effectLst/>
+                <a:latin typeface="Noto Sans KR"/>
+              </a:rPr>
+              <a:t>에 몸살</a:t>
+            </a:r>
+            <a:br>
+              <a:rPr lang="ko-KR" altLang="en-US" sz="1600" b="1" i="0" dirty="0">
+                <a:solidFill>
+                  <a:srgbClr val="222222"/>
+                </a:solidFill>
+                <a:effectLst/>
+                <a:latin typeface="Noto Sans KR"/>
+              </a:rPr>
+            </a:br>
+            <a:r>
+              <a:rPr lang="en-US" altLang="ko-KR" sz="1600" b="1" i="0" dirty="0">
+                <a:solidFill>
+                  <a:srgbClr val="222222"/>
+                </a:solidFill>
+                <a:effectLst/>
+                <a:latin typeface="Noto Sans KR"/>
+              </a:rPr>
+              <a:t>'</a:t>
+            </a:r>
+            <a:r>
+              <a:rPr lang="ko-KR" altLang="en-US" sz="1600" b="1" i="0" dirty="0">
+                <a:solidFill>
+                  <a:srgbClr val="222222"/>
+                </a:solidFill>
+                <a:effectLst/>
+                <a:latin typeface="Noto Sans KR"/>
+              </a:rPr>
+              <a:t>땜질 처방</a:t>
+            </a:r>
+            <a:r>
+              <a:rPr lang="en-US" altLang="ko-KR" sz="1600" b="1" i="0" dirty="0">
+                <a:solidFill>
+                  <a:srgbClr val="222222"/>
+                </a:solidFill>
+                <a:effectLst/>
+                <a:latin typeface="Noto Sans KR"/>
+              </a:rPr>
+              <a:t>'</a:t>
+            </a:r>
+            <a:r>
+              <a:rPr lang="ko-KR" altLang="en-US" sz="1600" b="1" i="0" dirty="0">
+                <a:solidFill>
+                  <a:srgbClr val="222222"/>
+                </a:solidFill>
+                <a:effectLst/>
+                <a:latin typeface="Noto Sans KR"/>
+              </a:rPr>
+              <a:t>의 한계</a:t>
+            </a:r>
+            <a:r>
+              <a:rPr lang="en-US" altLang="ko-KR" sz="1600" b="1" i="0" dirty="0">
+                <a:solidFill>
+                  <a:srgbClr val="222222"/>
+                </a:solidFill>
+                <a:effectLst/>
+                <a:latin typeface="Noto Sans KR"/>
+              </a:rPr>
+              <a:t>...</a:t>
+            </a:r>
+            <a:r>
+              <a:rPr lang="ko-KR" altLang="en-US" sz="1600" b="1" i="0" dirty="0">
+                <a:solidFill>
+                  <a:srgbClr val="222222"/>
+                </a:solidFill>
+                <a:effectLst/>
+                <a:latin typeface="Noto Sans KR"/>
+              </a:rPr>
+              <a:t>업계 특성 맞는 규제 마련해야</a:t>
+            </a:r>
+          </a:p>
+          <a:p>
+            <a:endParaRPr lang="en-US" altLang="ko-KR" sz="1600" dirty="0">
+              <a:hlinkClick r:id="rId6"/>
+            </a:endParaRPr>
+          </a:p>
+          <a:p>
+            <a:r>
+              <a:rPr lang="en-US" altLang="ko-KR" sz="1600" dirty="0">
+                <a:hlinkClick r:id="rId6"/>
+              </a:rPr>
+              <a:t>https://zdnet.co.kr/view/?no=20210610104344</a:t>
+            </a:r>
+            <a:endParaRPr lang="en-US" altLang="ko-KR" sz="1600" dirty="0"/>
+          </a:p>
+          <a:p>
+            <a:r>
+              <a:rPr lang="ko-KR" altLang="en-US" sz="1600" b="1" i="0" dirty="0" err="1">
+                <a:solidFill>
+                  <a:srgbClr val="080E14"/>
+                </a:solidFill>
+                <a:effectLst/>
+                <a:latin typeface="Nanum Gothic"/>
+              </a:rPr>
+              <a:t>공유킥보드</a:t>
+            </a:r>
+            <a:r>
+              <a:rPr lang="ko-KR" altLang="en-US" sz="1600" b="1" i="0" dirty="0">
+                <a:solidFill>
+                  <a:srgbClr val="080E14"/>
+                </a:solidFill>
+                <a:effectLst/>
+                <a:latin typeface="Nanum Gothic"/>
+              </a:rPr>
+              <a:t> 씽씽</a:t>
+            </a:r>
+            <a:r>
+              <a:rPr lang="en-US" altLang="ko-KR" sz="1600" b="1" i="0" dirty="0">
+                <a:solidFill>
+                  <a:srgbClr val="080E14"/>
+                </a:solidFill>
+                <a:effectLst/>
+                <a:latin typeface="Nanum Gothic"/>
+              </a:rPr>
+              <a:t>, </a:t>
+            </a:r>
+            <a:r>
+              <a:rPr lang="ko-KR" altLang="en-US" sz="1600" b="1" i="0" dirty="0">
+                <a:solidFill>
+                  <a:srgbClr val="080E14"/>
+                </a:solidFill>
+                <a:effectLst/>
+                <a:latin typeface="Nanum Gothic"/>
+              </a:rPr>
+              <a:t>전용 헬멧 출시</a:t>
+            </a:r>
+            <a:endParaRPr lang="en-US" altLang="ko-KR" sz="1600" b="1" i="0" dirty="0">
+              <a:solidFill>
+                <a:srgbClr val="080E14"/>
+              </a:solidFill>
+              <a:effectLst/>
+              <a:latin typeface="Nanum Gothic"/>
+            </a:endParaRPr>
+          </a:p>
+          <a:p>
+            <a:endParaRPr lang="en-US" altLang="ko-KR" sz="1600" b="1" dirty="0">
+              <a:solidFill>
+                <a:srgbClr val="080E14"/>
+              </a:solidFill>
+              <a:latin typeface="Nanum Gothic"/>
+            </a:endParaRPr>
+          </a:p>
+          <a:p>
+            <a:r>
+              <a:rPr lang="en-US" altLang="ko-KR" sz="1600" b="1" i="0" dirty="0">
+                <a:solidFill>
+                  <a:srgbClr val="080E14"/>
+                </a:solidFill>
+                <a:effectLst/>
+                <a:latin typeface="Nanum Gothic"/>
+                <a:hlinkClick r:id="rId7"/>
+              </a:rPr>
+              <a:t>https://news.mt.co.kr/mtview.php?no=2021072809165012577</a:t>
+            </a:r>
+            <a:endParaRPr lang="en-US" altLang="ko-KR" sz="1600" b="1" i="0" dirty="0">
+              <a:solidFill>
+                <a:srgbClr val="080E14"/>
+              </a:solidFill>
+              <a:effectLst/>
+              <a:latin typeface="Nanum Gothic"/>
+            </a:endParaRPr>
+          </a:p>
+          <a:p>
+            <a:r>
+              <a:rPr lang="en-US" altLang="ko-KR" sz="1600" b="1" i="0" dirty="0">
+                <a:solidFill>
+                  <a:srgbClr val="000000"/>
+                </a:solidFill>
+                <a:effectLst/>
+                <a:latin typeface="맑은고딕"/>
+              </a:rPr>
+              <a:t>PM</a:t>
+            </a:r>
+            <a:r>
+              <a:rPr lang="ko-KR" altLang="en-US" sz="1600" b="1" i="0" dirty="0">
+                <a:solidFill>
+                  <a:srgbClr val="000000"/>
+                </a:solidFill>
+                <a:effectLst/>
+                <a:latin typeface="맑은고딕"/>
+              </a:rPr>
+              <a:t>업계</a:t>
+            </a:r>
+            <a:r>
+              <a:rPr lang="en-US" altLang="ko-KR" sz="1600" b="1" i="0" dirty="0">
+                <a:solidFill>
+                  <a:srgbClr val="000000"/>
+                </a:solidFill>
+                <a:effectLst/>
+                <a:latin typeface="맑은고딕"/>
+              </a:rPr>
+              <a:t>, </a:t>
+            </a:r>
+            <a:r>
+              <a:rPr lang="ko-KR" altLang="en-US" sz="1600" b="1" i="0" dirty="0" err="1">
+                <a:solidFill>
+                  <a:srgbClr val="000000"/>
+                </a:solidFill>
+                <a:effectLst/>
+                <a:latin typeface="맑은고딕"/>
+              </a:rPr>
+              <a:t>전동킥보드</a:t>
+            </a:r>
+            <a:r>
+              <a:rPr lang="ko-KR" altLang="en-US" sz="1600" b="1" i="0" dirty="0">
+                <a:solidFill>
+                  <a:srgbClr val="000000"/>
+                </a:solidFill>
+                <a:effectLst/>
+                <a:latin typeface="맑은고딕"/>
+              </a:rPr>
+              <a:t> 이용자 공용 헬멧 비치한다</a:t>
+            </a:r>
+          </a:p>
+          <a:p>
+            <a:endParaRPr lang="en-US" altLang="ko-KR" sz="1600" b="1" dirty="0">
+              <a:solidFill>
+                <a:srgbClr val="080E14"/>
+              </a:solidFill>
+              <a:latin typeface="Nanum Gothic"/>
+            </a:endParaRPr>
+          </a:p>
+          <a:p>
+            <a:r>
+              <a:rPr lang="en-US" altLang="ko-KR" sz="1600" b="1" i="0" dirty="0">
+                <a:solidFill>
+                  <a:srgbClr val="080E14"/>
+                </a:solidFill>
+                <a:effectLst/>
+                <a:latin typeface="Nanum Gothic"/>
+                <a:hlinkClick r:id="rId8"/>
+              </a:rPr>
+              <a:t>https://www.flaticon.com/</a:t>
+            </a:r>
+            <a:endParaRPr lang="en-US" altLang="ko-KR" sz="1600" b="1" i="0" dirty="0">
+              <a:solidFill>
+                <a:srgbClr val="080E14"/>
+              </a:solidFill>
+              <a:effectLst/>
+              <a:latin typeface="Nanum Gothic"/>
+            </a:endParaRPr>
+          </a:p>
+          <a:p>
+            <a:r>
+              <a:rPr lang="ko-KR" altLang="en-US" sz="1600" b="1" dirty="0" err="1">
+                <a:solidFill>
+                  <a:srgbClr val="080E14"/>
+                </a:solidFill>
+                <a:latin typeface="Nanum Gothic"/>
+              </a:rPr>
+              <a:t>픽토그램</a:t>
+            </a:r>
+            <a:endParaRPr lang="en-US" altLang="ko-KR" sz="1600" b="1" dirty="0">
+              <a:solidFill>
+                <a:srgbClr val="080E14"/>
+              </a:solidFill>
+              <a:latin typeface="Nanum Gothic"/>
+            </a:endParaRPr>
+          </a:p>
+          <a:p>
+            <a:endParaRPr lang="ko-KR" altLang="en-US" sz="1600" b="1" i="0" dirty="0">
+              <a:solidFill>
+                <a:srgbClr val="080E14"/>
+              </a:solidFill>
+              <a:effectLst/>
+              <a:latin typeface="Nanum Gothic"/>
+            </a:endParaRPr>
+          </a:p>
+          <a:p>
+            <a:endParaRPr lang="en-US" altLang="ko-KR" sz="1600" dirty="0"/>
+          </a:p>
+        </p:txBody>
+      </p:sp>
+    </p:spTree>
+    <p:extLst>
+      <p:ext uri="{BB962C8B-B14F-4D97-AF65-F5344CB8AC3E}">
+        <p14:creationId xmlns:p14="http://schemas.microsoft.com/office/powerpoint/2010/main" val="719662487"/>
       </p:ext>
     </p:extLst>
   </p:cSld>

--- a/최종설계프로젝트/발표자료 셋업/server matrix control.pptx
+++ b/최종설계프로젝트/발표자료 셋업/server matrix control.pptx
@@ -120,12 +120,12 @@
   <pc:docChgLst>
     <pc:chgData name="chlalswl2000@ajou.ac.kr" userId="1c87144d-ea01-4ad9-b87b-8435de56d307" providerId="ADAL" clId="{CE38BF14-FC60-4D5E-A270-C7D47E970235}"/>
     <pc:docChg chg="custSel addSld modSld">
-      <pc:chgData name="chlalswl2000@ajou.ac.kr" userId="1c87144d-ea01-4ad9-b87b-8435de56d307" providerId="ADAL" clId="{CE38BF14-FC60-4D5E-A270-C7D47E970235}" dt="2021-12-03T15:00:28.574" v="1527" actId="1076"/>
+      <pc:chgData name="chlalswl2000@ajou.ac.kr" userId="1c87144d-ea01-4ad9-b87b-8435de56d307" providerId="ADAL" clId="{CE38BF14-FC60-4D5E-A270-C7D47E970235}" dt="2021-12-05T08:38:42.523" v="1553"/>
       <pc:docMkLst>
         <pc:docMk/>
       </pc:docMkLst>
       <pc:sldChg chg="addSp delSp modSp mod">
-        <pc:chgData name="chlalswl2000@ajou.ac.kr" userId="1c87144d-ea01-4ad9-b87b-8435de56d307" providerId="ADAL" clId="{CE38BF14-FC60-4D5E-A270-C7D47E970235}" dt="2021-12-03T15:00:28.574" v="1527" actId="1076"/>
+        <pc:chgData name="chlalswl2000@ajou.ac.kr" userId="1c87144d-ea01-4ad9-b87b-8435de56d307" providerId="ADAL" clId="{CE38BF14-FC60-4D5E-A270-C7D47E970235}" dt="2021-12-05T07:47:22.310" v="1546" actId="1076"/>
         <pc:sldMkLst>
           <pc:docMk/>
           <pc:sldMk cId="3894889811" sldId="256"/>
@@ -147,11 +147,43 @@
           </ac:picMkLst>
         </pc:picChg>
         <pc:picChg chg="add mod">
-          <ac:chgData name="chlalswl2000@ajou.ac.kr" userId="1c87144d-ea01-4ad9-b87b-8435de56d307" providerId="ADAL" clId="{CE38BF14-FC60-4D5E-A270-C7D47E970235}" dt="2021-12-03T15:00:21.547" v="1525" actId="1076"/>
+          <ac:chgData name="chlalswl2000@ajou.ac.kr" userId="1c87144d-ea01-4ad9-b87b-8435de56d307" providerId="ADAL" clId="{CE38BF14-FC60-4D5E-A270-C7D47E970235}" dt="2021-12-05T06:41:58.485" v="1530" actId="1076"/>
+          <ac:picMkLst>
+            <pc:docMk/>
+            <pc:sldMk cId="3894889811" sldId="256"/>
+            <ac:picMk id="5" creationId="{7549B0C2-F6E9-45AD-B1B5-2037C13CFFE7}"/>
+          </ac:picMkLst>
+        </pc:picChg>
+        <pc:picChg chg="add del mod">
+          <ac:chgData name="chlalswl2000@ajou.ac.kr" userId="1c87144d-ea01-4ad9-b87b-8435de56d307" providerId="ADAL" clId="{CE38BF14-FC60-4D5E-A270-C7D47E970235}" dt="2021-12-05T07:44:26.340" v="1538" actId="478"/>
           <ac:picMkLst>
             <pc:docMk/>
             <pc:sldMk cId="3894889811" sldId="256"/>
             <ac:picMk id="6" creationId="{6C72648F-C028-438B-BDA8-1855A1D6DF1C}"/>
+          </ac:picMkLst>
+        </pc:picChg>
+        <pc:picChg chg="add mod">
+          <ac:chgData name="chlalswl2000@ajou.ac.kr" userId="1c87144d-ea01-4ad9-b87b-8435de56d307" providerId="ADAL" clId="{CE38BF14-FC60-4D5E-A270-C7D47E970235}" dt="2021-12-05T07:44:30.281" v="1540" actId="1076"/>
+          <ac:picMkLst>
+            <pc:docMk/>
+            <pc:sldMk cId="3894889811" sldId="256"/>
+            <ac:picMk id="8" creationId="{E652438D-F31D-46B6-BFFB-E77D71984A65}"/>
+          </ac:picMkLst>
+        </pc:picChg>
+        <pc:picChg chg="add mod">
+          <ac:chgData name="chlalswl2000@ajou.ac.kr" userId="1c87144d-ea01-4ad9-b87b-8435de56d307" providerId="ADAL" clId="{CE38BF14-FC60-4D5E-A270-C7D47E970235}" dt="2021-12-05T07:44:35.305" v="1543" actId="1076"/>
+          <ac:picMkLst>
+            <pc:docMk/>
+            <pc:sldMk cId="3894889811" sldId="256"/>
+            <ac:picMk id="11" creationId="{18736E39-2699-48DA-AA45-8F795269DC89}"/>
+          </ac:picMkLst>
+        </pc:picChg>
+        <pc:picChg chg="add mod">
+          <ac:chgData name="chlalswl2000@ajou.ac.kr" userId="1c87144d-ea01-4ad9-b87b-8435de56d307" providerId="ADAL" clId="{CE38BF14-FC60-4D5E-A270-C7D47E970235}" dt="2021-12-05T07:47:22.310" v="1546" actId="1076"/>
+          <ac:picMkLst>
+            <pc:docMk/>
+            <pc:sldMk cId="3894889811" sldId="256"/>
+            <ac:picMk id="15" creationId="{3AEFD457-B1A2-43A6-9E14-D142B47BAEB4}"/>
           </ac:picMkLst>
         </pc:picChg>
         <pc:picChg chg="del">
@@ -186,8 +218,8 @@
             <ac:picMk id="27" creationId="{F8786E75-E46E-4274-9CBD-E51DBC6F1BD9}"/>
           </ac:picMkLst>
         </pc:picChg>
-        <pc:picChg chg="mod">
-          <ac:chgData name="chlalswl2000@ajou.ac.kr" userId="1c87144d-ea01-4ad9-b87b-8435de56d307" providerId="ADAL" clId="{CE38BF14-FC60-4D5E-A270-C7D47E970235}" dt="2021-12-03T15:00:25.857" v="1526" actId="1076"/>
+        <pc:picChg chg="del mod">
+          <ac:chgData name="chlalswl2000@ajou.ac.kr" userId="1c87144d-ea01-4ad9-b87b-8435de56d307" providerId="ADAL" clId="{CE38BF14-FC60-4D5E-A270-C7D47E970235}" dt="2021-12-05T07:44:28.283" v="1539" actId="478"/>
           <ac:picMkLst>
             <pc:docMk/>
             <pc:sldMk cId="3894889811" sldId="256"/>
@@ -200,6 +232,14 @@
             <pc:docMk/>
             <pc:sldMk cId="3894889811" sldId="256"/>
             <ac:picMk id="34" creationId="{5DEE3B00-D6A9-443E-AEE2-84E6051C4278}"/>
+          </ac:picMkLst>
+        </pc:picChg>
+        <pc:picChg chg="del">
+          <ac:chgData name="chlalswl2000@ajou.ac.kr" userId="1c87144d-ea01-4ad9-b87b-8435de56d307" providerId="ADAL" clId="{CE38BF14-FC60-4D5E-A270-C7D47E970235}" dt="2021-12-05T07:44:33.708" v="1542" actId="478"/>
+          <ac:picMkLst>
+            <pc:docMk/>
+            <pc:sldMk cId="3894889811" sldId="256"/>
+            <ac:picMk id="36" creationId="{EA97ACB3-1C33-41C9-A4FF-E16BEADF9800}"/>
           </ac:picMkLst>
         </pc:picChg>
       </pc:sldChg>
@@ -234,6 +274,29 @@
           </ac:spMkLst>
         </pc:spChg>
       </pc:sldChg>
+      <pc:sldChg chg="addSp delSp modSp add mod">
+        <pc:chgData name="chlalswl2000@ajou.ac.kr" userId="1c87144d-ea01-4ad9-b87b-8435de56d307" providerId="ADAL" clId="{CE38BF14-FC60-4D5E-A270-C7D47E970235}" dt="2021-12-05T08:38:42.523" v="1553"/>
+        <pc:sldMkLst>
+          <pc:docMk/>
+          <pc:sldMk cId="910312976" sldId="259"/>
+        </pc:sldMkLst>
+        <pc:spChg chg="add mod">
+          <ac:chgData name="chlalswl2000@ajou.ac.kr" userId="1c87144d-ea01-4ad9-b87b-8435de56d307" providerId="ADAL" clId="{CE38BF14-FC60-4D5E-A270-C7D47E970235}" dt="2021-12-05T08:38:42.523" v="1553"/>
+          <ac:spMkLst>
+            <pc:docMk/>
+            <pc:sldMk cId="910312976" sldId="259"/>
+            <ac:spMk id="2" creationId="{A2D92641-C46A-4420-A7A3-2D44CB78BA79}"/>
+          </ac:spMkLst>
+        </pc:spChg>
+        <pc:spChg chg="del">
+          <ac:chgData name="chlalswl2000@ajou.ac.kr" userId="1c87144d-ea01-4ad9-b87b-8435de56d307" providerId="ADAL" clId="{CE38BF14-FC60-4D5E-A270-C7D47E970235}" dt="2021-12-05T08:37:52.406" v="1548" actId="478"/>
+          <ac:spMkLst>
+            <pc:docMk/>
+            <pc:sldMk cId="910312976" sldId="259"/>
+            <ac:spMk id="4" creationId="{527083A4-EBED-4B45-9D8D-8E9A685EC0C2}"/>
+          </ac:spMkLst>
+        </pc:spChg>
+      </pc:sldChg>
     </pc:docChg>
   </pc:docChgLst>
 </pc:chgInfo>
@@ -386,7 +449,7 @@
           <a:p>
             <a:fld id="{59B5629A-4629-4D50-9073-43817A0AA1AA}" type="datetimeFigureOut">
               <a:rPr lang="ko-KR" altLang="en-US" smtClean="0"/>
-              <a:t>2021-12-04</a:t>
+              <a:t>2021-12-05</a:t>
             </a:fld>
             <a:endParaRPr lang="ko-KR" altLang="en-US"/>
           </a:p>
@@ -584,7 +647,7 @@
           <a:p>
             <a:fld id="{59B5629A-4629-4D50-9073-43817A0AA1AA}" type="datetimeFigureOut">
               <a:rPr lang="ko-KR" altLang="en-US" smtClean="0"/>
-              <a:t>2021-12-04</a:t>
+              <a:t>2021-12-05</a:t>
             </a:fld>
             <a:endParaRPr lang="ko-KR" altLang="en-US"/>
           </a:p>
@@ -792,7 +855,7 @@
           <a:p>
             <a:fld id="{59B5629A-4629-4D50-9073-43817A0AA1AA}" type="datetimeFigureOut">
               <a:rPr lang="ko-KR" altLang="en-US" smtClean="0"/>
-              <a:t>2021-12-04</a:t>
+              <a:t>2021-12-05</a:t>
             </a:fld>
             <a:endParaRPr lang="ko-KR" altLang="en-US"/>
           </a:p>
@@ -990,7 +1053,7 @@
           <a:p>
             <a:fld id="{59B5629A-4629-4D50-9073-43817A0AA1AA}" type="datetimeFigureOut">
               <a:rPr lang="ko-KR" altLang="en-US" smtClean="0"/>
-              <a:t>2021-12-04</a:t>
+              <a:t>2021-12-05</a:t>
             </a:fld>
             <a:endParaRPr lang="ko-KR" altLang="en-US"/>
           </a:p>
@@ -1265,7 +1328,7 @@
           <a:p>
             <a:fld id="{59B5629A-4629-4D50-9073-43817A0AA1AA}" type="datetimeFigureOut">
               <a:rPr lang="ko-KR" altLang="en-US" smtClean="0"/>
-              <a:t>2021-12-04</a:t>
+              <a:t>2021-12-05</a:t>
             </a:fld>
             <a:endParaRPr lang="ko-KR" altLang="en-US"/>
           </a:p>
@@ -1530,7 +1593,7 @@
           <a:p>
             <a:fld id="{59B5629A-4629-4D50-9073-43817A0AA1AA}" type="datetimeFigureOut">
               <a:rPr lang="ko-KR" altLang="en-US" smtClean="0"/>
-              <a:t>2021-12-04</a:t>
+              <a:t>2021-12-05</a:t>
             </a:fld>
             <a:endParaRPr lang="ko-KR" altLang="en-US"/>
           </a:p>
@@ -1942,7 +2005,7 @@
           <a:p>
             <a:fld id="{59B5629A-4629-4D50-9073-43817A0AA1AA}" type="datetimeFigureOut">
               <a:rPr lang="ko-KR" altLang="en-US" smtClean="0"/>
-              <a:t>2021-12-04</a:t>
+              <a:t>2021-12-05</a:t>
             </a:fld>
             <a:endParaRPr lang="ko-KR" altLang="en-US"/>
           </a:p>
@@ -2083,7 +2146,7 @@
           <a:p>
             <a:fld id="{59B5629A-4629-4D50-9073-43817A0AA1AA}" type="datetimeFigureOut">
               <a:rPr lang="ko-KR" altLang="en-US" smtClean="0"/>
-              <a:t>2021-12-04</a:t>
+              <a:t>2021-12-05</a:t>
             </a:fld>
             <a:endParaRPr lang="ko-KR" altLang="en-US"/>
           </a:p>
@@ -2196,7 +2259,7 @@
           <a:p>
             <a:fld id="{59B5629A-4629-4D50-9073-43817A0AA1AA}" type="datetimeFigureOut">
               <a:rPr lang="ko-KR" altLang="en-US" smtClean="0"/>
-              <a:t>2021-12-04</a:t>
+              <a:t>2021-12-05</a:t>
             </a:fld>
             <a:endParaRPr lang="ko-KR" altLang="en-US"/>
           </a:p>
@@ -2507,7 +2570,7 @@
           <a:p>
             <a:fld id="{59B5629A-4629-4D50-9073-43817A0AA1AA}" type="datetimeFigureOut">
               <a:rPr lang="ko-KR" altLang="en-US" smtClean="0"/>
-              <a:t>2021-12-04</a:t>
+              <a:t>2021-12-05</a:t>
             </a:fld>
             <a:endParaRPr lang="ko-KR" altLang="en-US"/>
           </a:p>
@@ -2795,7 +2858,7 @@
           <a:p>
             <a:fld id="{59B5629A-4629-4D50-9073-43817A0AA1AA}" type="datetimeFigureOut">
               <a:rPr lang="ko-KR" altLang="en-US" smtClean="0"/>
-              <a:t>2021-12-04</a:t>
+              <a:t>2021-12-05</a:t>
             </a:fld>
             <a:endParaRPr lang="ko-KR" altLang="en-US"/>
           </a:p>
@@ -3036,7 +3099,7 @@
           <a:p>
             <a:fld id="{59B5629A-4629-4D50-9073-43817A0AA1AA}" type="datetimeFigureOut">
               <a:rPr lang="ko-KR" altLang="en-US" smtClean="0"/>
-              <a:t>2021-12-04</a:t>
+              <a:t>2021-12-05</a:t>
             </a:fld>
             <a:endParaRPr lang="ko-KR" altLang="en-US"/>
           </a:p>
@@ -3647,36 +3710,6 @@
           </a:prstGeom>
         </p:spPr>
       </p:pic>
-      <p:pic>
-        <p:nvPicPr>
-          <p:cNvPr id="29" name="그림 28">
-            <a:extLst>
-              <a:ext uri="{FF2B5EF4-FFF2-40B4-BE49-F238E27FC236}">
-                <a16:creationId xmlns:a16="http://schemas.microsoft.com/office/drawing/2014/main" id="{E9EDB714-E924-421C-B1E5-0DF28FC69329}"/>
-              </a:ext>
-            </a:extLst>
-          </p:cNvPr>
-          <p:cNvPicPr>
-            <a:picLocks noChangeAspect="1"/>
-          </p:cNvPicPr>
-          <p:nvPr/>
-        </p:nvPicPr>
-        <p:blipFill>
-          <a:blip r:embed="rId7"/>
-          <a:stretch>
-            <a:fillRect/>
-          </a:stretch>
-        </p:blipFill>
-        <p:spPr>
-          <a:xfrm>
-            <a:off x="7050400" y="3430238"/>
-            <a:ext cx="1652750" cy="1657582"/>
-          </a:xfrm>
-          <a:prstGeom prst="rect">
-            <a:avLst/>
-          </a:prstGeom>
-        </p:spPr>
-      </p:pic>
       <p:sp>
         <p:nvSpPr>
           <p:cNvPr id="30" name="TextBox 29">
@@ -3806,7 +3839,7 @@
           <p:nvPr/>
         </p:nvPicPr>
         <p:blipFill>
-          <a:blip r:embed="rId8"/>
+          <a:blip r:embed="rId7"/>
           <a:stretch>
             <a:fillRect/>
           </a:stretch>
@@ -3823,10 +3856,10 @@
       </p:pic>
       <p:pic>
         <p:nvPicPr>
-          <p:cNvPr id="36" name="그림 35">
-            <a:extLst>
-              <a:ext uri="{FF2B5EF4-FFF2-40B4-BE49-F238E27FC236}">
-                <a16:creationId xmlns:a16="http://schemas.microsoft.com/office/drawing/2014/main" id="{EA97ACB3-1C33-41C9-A4FF-E16BEADF9800}"/>
+          <p:cNvPr id="3" name="그림 2">
+            <a:extLst>
+              <a:ext uri="{FF2B5EF4-FFF2-40B4-BE49-F238E27FC236}">
+                <a16:creationId xmlns:a16="http://schemas.microsoft.com/office/drawing/2014/main" id="{5903A815-E451-4A82-B1EA-DE28622DC32D}"/>
               </a:ext>
             </a:extLst>
           </p:cNvPr>
@@ -3836,37 +3869,7 @@
           <p:nvPr/>
         </p:nvPicPr>
         <p:blipFill>
-          <a:blip r:embed="rId9"/>
-          <a:stretch>
-            <a:fillRect/>
-          </a:stretch>
-        </p:blipFill>
-        <p:spPr>
-          <a:xfrm>
-            <a:off x="4830742" y="5261051"/>
-            <a:ext cx="1359956" cy="1383885"/>
-          </a:xfrm>
-          <a:prstGeom prst="rect">
-            <a:avLst/>
-          </a:prstGeom>
-        </p:spPr>
-      </p:pic>
-      <p:pic>
-        <p:nvPicPr>
-          <p:cNvPr id="3" name="그림 2">
-            <a:extLst>
-              <a:ext uri="{FF2B5EF4-FFF2-40B4-BE49-F238E27FC236}">
-                <a16:creationId xmlns:a16="http://schemas.microsoft.com/office/drawing/2014/main" id="{5903A815-E451-4A82-B1EA-DE28622DC32D}"/>
-              </a:ext>
-            </a:extLst>
-          </p:cNvPr>
-          <p:cNvPicPr>
-            <a:picLocks noChangeAspect="1"/>
-          </p:cNvPicPr>
-          <p:nvPr/>
-        </p:nvPicPr>
-        <p:blipFill>
-          <a:blip r:embed="rId10"/>
+          <a:blip r:embed="rId8"/>
           <a:stretch>
             <a:fillRect/>
           </a:stretch>
@@ -3883,10 +3886,70 @@
       </p:pic>
       <p:pic>
         <p:nvPicPr>
-          <p:cNvPr id="6" name="그림 5">
-            <a:extLst>
-              <a:ext uri="{FF2B5EF4-FFF2-40B4-BE49-F238E27FC236}">
-                <a16:creationId xmlns:a16="http://schemas.microsoft.com/office/drawing/2014/main" id="{6C72648F-C028-438B-BDA8-1855A1D6DF1C}"/>
+          <p:cNvPr id="5" name="그림 4">
+            <a:extLst>
+              <a:ext uri="{FF2B5EF4-FFF2-40B4-BE49-F238E27FC236}">
+                <a16:creationId xmlns:a16="http://schemas.microsoft.com/office/drawing/2014/main" id="{7549B0C2-F6E9-45AD-B1B5-2037C13CFFE7}"/>
+              </a:ext>
+            </a:extLst>
+          </p:cNvPr>
+          <p:cNvPicPr>
+            <a:picLocks noChangeAspect="1"/>
+          </p:cNvPicPr>
+          <p:nvPr/>
+        </p:nvPicPr>
+        <p:blipFill>
+          <a:blip r:embed="rId9"/>
+          <a:stretch>
+            <a:fillRect/>
+          </a:stretch>
+        </p:blipFill>
+        <p:spPr>
+          <a:xfrm>
+            <a:off x="133165" y="5087820"/>
+            <a:ext cx="1643015" cy="1647819"/>
+          </a:xfrm>
+          <a:prstGeom prst="rect">
+            <a:avLst/>
+          </a:prstGeom>
+        </p:spPr>
+      </p:pic>
+      <p:pic>
+        <p:nvPicPr>
+          <p:cNvPr id="8" name="그림 7">
+            <a:extLst>
+              <a:ext uri="{FF2B5EF4-FFF2-40B4-BE49-F238E27FC236}">
+                <a16:creationId xmlns:a16="http://schemas.microsoft.com/office/drawing/2014/main" id="{E652438D-F31D-46B6-BFFB-E77D71984A65}"/>
+              </a:ext>
+            </a:extLst>
+          </p:cNvPr>
+          <p:cNvPicPr>
+            <a:picLocks noChangeAspect="1"/>
+          </p:cNvPicPr>
+          <p:nvPr/>
+        </p:nvPicPr>
+        <p:blipFill>
+          <a:blip r:embed="rId10"/>
+          <a:stretch>
+            <a:fillRect/>
+          </a:stretch>
+        </p:blipFill>
+        <p:spPr>
+          <a:xfrm>
+            <a:off x="4452177" y="3530945"/>
+            <a:ext cx="1133884" cy="1130607"/>
+          </a:xfrm>
+          <a:prstGeom prst="rect">
+            <a:avLst/>
+          </a:prstGeom>
+        </p:spPr>
+      </p:pic>
+      <p:pic>
+        <p:nvPicPr>
+          <p:cNvPr id="11" name="그림 10">
+            <a:extLst>
+              <a:ext uri="{FF2B5EF4-FFF2-40B4-BE49-F238E27FC236}">
+                <a16:creationId xmlns:a16="http://schemas.microsoft.com/office/drawing/2014/main" id="{18736E39-2699-48DA-AA45-8F795269DC89}"/>
               </a:ext>
             </a:extLst>
           </p:cNvPr>
@@ -3903,8 +3966,38 @@
         </p:blipFill>
         <p:spPr>
           <a:xfrm>
-            <a:off x="4830742" y="3425326"/>
-            <a:ext cx="1737990" cy="1737990"/>
+            <a:off x="6096000" y="3699401"/>
+            <a:ext cx="1503966" cy="1543894"/>
+          </a:xfrm>
+          <a:prstGeom prst="rect">
+            <a:avLst/>
+          </a:prstGeom>
+        </p:spPr>
+      </p:pic>
+      <p:pic>
+        <p:nvPicPr>
+          <p:cNvPr id="15" name="그림 14">
+            <a:extLst>
+              <a:ext uri="{FF2B5EF4-FFF2-40B4-BE49-F238E27FC236}">
+                <a16:creationId xmlns:a16="http://schemas.microsoft.com/office/drawing/2014/main" id="{3AEFD457-B1A2-43A6-9E14-D142B47BAEB4}"/>
+              </a:ext>
+            </a:extLst>
+          </p:cNvPr>
+          <p:cNvPicPr>
+            <a:picLocks noChangeAspect="1"/>
+          </p:cNvPicPr>
+          <p:nvPr/>
+        </p:nvPicPr>
+        <p:blipFill>
+          <a:blip r:embed="rId12"/>
+          <a:stretch>
+            <a:fillRect/>
+          </a:stretch>
+        </p:blipFill>
+        <p:spPr>
+          <a:xfrm>
+            <a:off x="4152300" y="4875934"/>
+            <a:ext cx="1709412" cy="1729289"/>
           </a:xfrm>
           <a:prstGeom prst="rect">
             <a:avLst/>
@@ -4462,8 +4555,8 @@
         </p:nvSpPr>
         <p:spPr>
           <a:xfrm>
-            <a:off x="160545" y="4872841"/>
-            <a:ext cx="9281838" cy="1754326"/>
+            <a:off x="150920" y="3995678"/>
+            <a:ext cx="4208016" cy="2862322"/>
           </a:xfrm>
           <a:prstGeom prst="rect">
             <a:avLst/>
@@ -4483,22 +4576,6 @@
             <a:endParaRPr lang="en-US" altLang="ko-KR" dirty="0"/>
           </a:p>
           <a:p>
-            <a:r>
-              <a:rPr lang="en-US" altLang="ko-KR" dirty="0"/>
-              <a:t>LG </a:t>
-            </a:r>
-            <a:r>
-              <a:rPr lang="ko-KR" altLang="en-US" dirty="0"/>
-              <a:t>전자 무선 </a:t>
-            </a:r>
-            <a:r>
-              <a:rPr lang="ko-KR" altLang="en-US" dirty="0" err="1"/>
-              <a:t>킥보드</a:t>
-            </a:r>
-            <a:r>
-              <a:rPr lang="ko-KR" altLang="en-US" dirty="0"/>
-              <a:t> 충전소 관련</a:t>
-            </a:r>
             <a:endParaRPr lang="en-US" altLang="ko-KR" dirty="0"/>
           </a:p>
           <a:p>
@@ -4556,143 +4633,20 @@
       </p:grpSpPr>
       <p:sp>
         <p:nvSpPr>
-          <p:cNvPr id="3" name="내용 개체 틀 2">
-            <a:extLst>
-              <a:ext uri="{FF2B5EF4-FFF2-40B4-BE49-F238E27FC236}">
-                <a16:creationId xmlns:a16="http://schemas.microsoft.com/office/drawing/2014/main" id="{62EC67BA-62DE-464C-9463-58E84845AC85}"/>
-              </a:ext>
-            </a:extLst>
-          </p:cNvPr>
-          <p:cNvSpPr>
-            <a:spLocks noGrp="1"/>
-          </p:cNvSpPr>
-          <p:nvPr>
-            <p:ph idx="1"/>
-          </p:nvPr>
+          <p:cNvPr id="2" name="TextBox 1">
+            <a:extLst>
+              <a:ext uri="{FF2B5EF4-FFF2-40B4-BE49-F238E27FC236}">
+                <a16:creationId xmlns:a16="http://schemas.microsoft.com/office/drawing/2014/main" id="{A2D92641-C46A-4420-A7A3-2D44CB78BA79}"/>
+              </a:ext>
+            </a:extLst>
+          </p:cNvPr>
+          <p:cNvSpPr txBox="1"/>
+          <p:nvPr/>
         </p:nvSpPr>
         <p:spPr>
           <a:xfrm>
-            <a:off x="222183" y="189331"/>
-            <a:ext cx="8055543" cy="763571"/>
-          </a:xfrm>
-        </p:spPr>
-        <p:txBody>
-          <a:bodyPr>
-            <a:normAutofit/>
-          </a:bodyPr>
-          <a:lstStyle/>
-          <a:p>
-            <a:r>
-              <a:rPr lang="en-US" altLang="ko-KR" sz="1700" dirty="0">
-                <a:hlinkClick r:id="rId2"/>
-              </a:rPr>
-              <a:t>https://www.donga.com/news/Society/article/all/20210513/106906796/1</a:t>
-            </a:r>
-            <a:endParaRPr lang="en-US" altLang="ko-KR" sz="1700" dirty="0"/>
-          </a:p>
-          <a:p>
-            <a:r>
-              <a:rPr lang="ko-KR" altLang="en-US" sz="1200" b="1" i="0" dirty="0">
-                <a:solidFill>
-                  <a:srgbClr val="000000"/>
-                </a:solidFill>
-                <a:effectLst/>
-                <a:latin typeface="맑은 고딕" panose="020B0503020000020004" pitchFamily="50" charset="-127"/>
-                <a:ea typeface="맑은 고딕" panose="020B0503020000020004" pitchFamily="50" charset="-127"/>
-              </a:rPr>
-              <a:t>“</a:t>
-            </a:r>
-            <a:r>
-              <a:rPr lang="ko-KR" altLang="en-US" sz="1200" b="1" i="0" dirty="0" err="1">
-                <a:solidFill>
-                  <a:srgbClr val="000000"/>
-                </a:solidFill>
-                <a:effectLst/>
-                <a:latin typeface="맑은 고딕" panose="020B0503020000020004" pitchFamily="50" charset="-127"/>
-                <a:ea typeface="맑은 고딕" panose="020B0503020000020004" pitchFamily="50" charset="-127"/>
-              </a:rPr>
-              <a:t>오늘부터라고</a:t>
-            </a:r>
-            <a:r>
-              <a:rPr lang="en-US" altLang="ko-KR" sz="1200" b="1" i="0" dirty="0">
-                <a:solidFill>
-                  <a:srgbClr val="000000"/>
-                </a:solidFill>
-                <a:effectLst/>
-                <a:latin typeface="맑은 고딕" panose="020B0503020000020004" pitchFamily="50" charset="-127"/>
-                <a:ea typeface="맑은 고딕" panose="020B0503020000020004" pitchFamily="50" charset="-127"/>
-              </a:rPr>
-              <a:t>?”…</a:t>
-            </a:r>
-            <a:r>
-              <a:rPr lang="ko-KR" altLang="en-US" sz="1200" b="1" i="0" dirty="0" err="1">
-                <a:solidFill>
-                  <a:srgbClr val="000000"/>
-                </a:solidFill>
-                <a:effectLst/>
-                <a:latin typeface="맑은 고딕" panose="020B0503020000020004" pitchFamily="50" charset="-127"/>
-                <a:ea typeface="맑은 고딕" panose="020B0503020000020004" pitchFamily="50" charset="-127"/>
-              </a:rPr>
-              <a:t>킥보드</a:t>
-            </a:r>
-            <a:r>
-              <a:rPr lang="ko-KR" altLang="en-US" sz="1200" b="1" i="0" dirty="0">
-                <a:solidFill>
-                  <a:srgbClr val="000000"/>
-                </a:solidFill>
-                <a:effectLst/>
-                <a:latin typeface="맑은 고딕" panose="020B0503020000020004" pitchFamily="50" charset="-127"/>
-                <a:ea typeface="맑은 고딕" panose="020B0503020000020004" pitchFamily="50" charset="-127"/>
-              </a:rPr>
-              <a:t> 단속 첫날 ‘</a:t>
-            </a:r>
-            <a:r>
-              <a:rPr lang="ko-KR" altLang="en-US" sz="1200" b="1" i="0" dirty="0" err="1">
-                <a:solidFill>
-                  <a:srgbClr val="000000"/>
-                </a:solidFill>
-                <a:effectLst/>
-                <a:latin typeface="맑은 고딕" panose="020B0503020000020004" pitchFamily="50" charset="-127"/>
-                <a:ea typeface="맑은 고딕" panose="020B0503020000020004" pitchFamily="50" charset="-127"/>
-              </a:rPr>
-              <a:t>노헬멧</a:t>
-            </a:r>
-            <a:r>
-              <a:rPr lang="ko-KR" altLang="en-US" sz="1200" b="1" i="0" dirty="0">
-                <a:solidFill>
-                  <a:srgbClr val="000000"/>
-                </a:solidFill>
-                <a:effectLst/>
-                <a:latin typeface="맑은 고딕" panose="020B0503020000020004" pitchFamily="50" charset="-127"/>
-                <a:ea typeface="맑은 고딕" panose="020B0503020000020004" pitchFamily="50" charset="-127"/>
-              </a:rPr>
-              <a:t>’ 다수 적발</a:t>
-            </a:r>
-          </a:p>
-          <a:p>
-            <a:pPr marL="0" indent="0">
-              <a:buNone/>
-            </a:pPr>
-            <a:endParaRPr lang="en-US" altLang="ko-KR" sz="1700" dirty="0"/>
-          </a:p>
-        </p:txBody>
-      </p:sp>
-      <p:sp>
-        <p:nvSpPr>
-          <p:cNvPr id="4" name="TextBox 3">
-            <a:extLst>
-              <a:ext uri="{FF2B5EF4-FFF2-40B4-BE49-F238E27FC236}">
-                <a16:creationId xmlns:a16="http://schemas.microsoft.com/office/drawing/2014/main" id="{76CE7331-7C0D-488F-9282-BD02374B2ED1}"/>
-              </a:ext>
-            </a:extLst>
-          </p:cNvPr>
-          <p:cNvSpPr txBox="1"/>
-          <p:nvPr/>
-        </p:nvSpPr>
-        <p:spPr>
-          <a:xfrm>
-            <a:off x="222183" y="952902"/>
-            <a:ext cx="8566484" cy="5509200"/>
+            <a:off x="62144" y="133165"/>
+            <a:ext cx="10972800" cy="6186309"/>
           </a:xfrm>
           <a:prstGeom prst="rect">
             <a:avLst/>
@@ -4706,472 +4660,256 @@
           <a:lstStyle/>
           <a:p>
             <a:r>
-              <a:rPr lang="en-US" altLang="ko-KR" sz="1600" dirty="0">
-                <a:hlinkClick r:id="rId3"/>
-              </a:rPr>
+              <a:rPr lang="en-US" altLang="ko-KR" dirty="0"/>
+              <a:t>https://www.donga.com/news/Society/article/all/20210513/106906796/1</a:t>
+            </a:r>
+          </a:p>
+          <a:p>
+            <a:r>
+              <a:rPr lang="en-US" altLang="ko-KR" dirty="0"/>
+              <a:t>“</a:t>
+            </a:r>
+            <a:r>
+              <a:rPr lang="ko-KR" altLang="en-US" dirty="0" err="1"/>
+              <a:t>오늘부터라고</a:t>
+            </a:r>
+            <a:r>
+              <a:rPr lang="en-US" altLang="ko-KR" dirty="0"/>
+              <a:t>?”…</a:t>
+            </a:r>
+            <a:r>
+              <a:rPr lang="ko-KR" altLang="en-US" dirty="0" err="1"/>
+              <a:t>킥보드</a:t>
+            </a:r>
+            <a:r>
+              <a:rPr lang="ko-KR" altLang="en-US" dirty="0"/>
+              <a:t> 단속 첫날 ‘</a:t>
+            </a:r>
+            <a:r>
+              <a:rPr lang="ko-KR" altLang="en-US" dirty="0" err="1"/>
+              <a:t>노헬멧</a:t>
+            </a:r>
+            <a:r>
+              <a:rPr lang="ko-KR" altLang="en-US" dirty="0"/>
+              <a:t>’ 다수 적발</a:t>
+            </a:r>
+            <a:endParaRPr lang="en-US" altLang="ko-KR" dirty="0"/>
+          </a:p>
+          <a:p>
+            <a:endParaRPr lang="en-US" altLang="ko-KR" dirty="0"/>
+          </a:p>
+          <a:p>
+            <a:r>
+              <a:rPr lang="en-US" altLang="ko-KR" dirty="0"/>
               <a:t>https://www.hani.co.kr/arti/economy/finance/1002005.html</a:t>
             </a:r>
-            <a:endParaRPr lang="en-US" altLang="ko-KR" sz="1600" dirty="0"/>
-          </a:p>
-          <a:p>
-            <a:r>
-              <a:rPr lang="ko-KR" altLang="en-US" sz="1600" dirty="0"/>
+          </a:p>
+          <a:p>
+            <a:r>
+              <a:rPr lang="ko-KR" altLang="en-US" dirty="0"/>
               <a:t>전동 </a:t>
             </a:r>
             <a:r>
-              <a:rPr lang="ko-KR" altLang="en-US" sz="1600" dirty="0" err="1"/>
+              <a:rPr lang="ko-KR" altLang="en-US" dirty="0" err="1"/>
               <a:t>킥보드</a:t>
             </a:r>
             <a:r>
-              <a:rPr lang="ko-KR" altLang="en-US" sz="1600" dirty="0"/>
+              <a:rPr lang="ko-KR" altLang="en-US" dirty="0"/>
               <a:t> 사고 급증 관련</a:t>
             </a:r>
-            <a:endParaRPr lang="en-US" altLang="ko-KR" sz="1600" dirty="0"/>
-          </a:p>
-          <a:p>
-            <a:r>
-              <a:rPr lang="en-US" altLang="ko-KR" sz="1600" dirty="0"/>
+          </a:p>
+          <a:p>
+            <a:r>
+              <a:rPr lang="en-US" altLang="ko-KR" dirty="0"/>
               <a:t>: </a:t>
             </a:r>
             <a:r>
-              <a:rPr lang="ko-KR" altLang="en-US" sz="1600" dirty="0"/>
+              <a:rPr lang="ko-KR" altLang="en-US" dirty="0"/>
               <a:t>안전모 미착용</a:t>
             </a:r>
             <a:r>
-              <a:rPr lang="en-US" altLang="ko-KR" sz="1600" dirty="0"/>
+              <a:rPr lang="en-US" altLang="ko-KR" dirty="0"/>
               <a:t>, </a:t>
             </a:r>
             <a:r>
-              <a:rPr lang="ko-KR" altLang="en-US" sz="1600" dirty="0"/>
+              <a:rPr lang="ko-KR" altLang="en-US" dirty="0"/>
               <a:t>사고 추이 및 피해금액 관련 언급</a:t>
             </a:r>
-            <a:endParaRPr lang="en-US" altLang="ko-KR" sz="1600" dirty="0"/>
-          </a:p>
-          <a:p>
-            <a:endParaRPr lang="en-US" altLang="ko-KR" sz="1600" dirty="0"/>
-          </a:p>
-          <a:p>
-            <a:r>
-              <a:rPr lang="en-US" altLang="ko-KR" sz="1600" dirty="0">
-                <a:hlinkClick r:id="rId4"/>
-              </a:rPr>
+          </a:p>
+          <a:p>
+            <a:endParaRPr lang="ko-KR" altLang="en-US" dirty="0"/>
+          </a:p>
+          <a:p>
+            <a:r>
+              <a:rPr lang="en-US" altLang="ko-KR" dirty="0"/>
               <a:t>https://www.joongang.co.kr/article/24026224#home</a:t>
             </a:r>
-            <a:endParaRPr lang="en-US" altLang="ko-KR" sz="1600" dirty="0"/>
-          </a:p>
-          <a:p>
-            <a:r>
-              <a:rPr lang="ko-KR" altLang="en-US" sz="1600" dirty="0"/>
+          </a:p>
+          <a:p>
+            <a:r>
+              <a:rPr lang="ko-KR" altLang="en-US" dirty="0"/>
               <a:t>동일한 내용</a:t>
             </a:r>
             <a:r>
-              <a:rPr lang="en-US" altLang="ko-KR" sz="1600" dirty="0"/>
+              <a:rPr lang="en-US" altLang="ko-KR" dirty="0"/>
               <a:t>- </a:t>
             </a:r>
             <a:r>
-              <a:rPr lang="ko-KR" altLang="en-US" sz="1600" dirty="0"/>
+              <a:rPr lang="ko-KR" altLang="en-US" dirty="0"/>
               <a:t>사고추이 그래프 있음</a:t>
             </a:r>
-            <a:endParaRPr lang="en-US" altLang="ko-KR" sz="1600" dirty="0"/>
-          </a:p>
-          <a:p>
-            <a:endParaRPr lang="en-US" altLang="ko-KR" sz="1600" dirty="0"/>
-          </a:p>
-          <a:p>
-            <a:r>
-              <a:rPr lang="en-US" altLang="ko-KR" sz="1600" dirty="0">
-                <a:hlinkClick r:id="rId5"/>
-              </a:rPr>
+          </a:p>
+          <a:p>
+            <a:endParaRPr lang="ko-KR" altLang="en-US" dirty="0"/>
+          </a:p>
+          <a:p>
+            <a:r>
+              <a:rPr lang="en-US" altLang="ko-KR" dirty="0"/>
               <a:t>https://www.techm.kr/news/articleView.html?idxno=88385</a:t>
             </a:r>
-            <a:endParaRPr lang="en-US" altLang="ko-KR" sz="1600" dirty="0"/>
-          </a:p>
-          <a:p>
-            <a:r>
-              <a:rPr lang="ko-KR" altLang="en-US" sz="1600" b="1" i="0" dirty="0">
-                <a:solidFill>
-                  <a:srgbClr val="222222"/>
-                </a:solidFill>
-                <a:effectLst/>
-                <a:latin typeface="Noto Sans KR"/>
-              </a:rPr>
+          </a:p>
+          <a:p>
+            <a:r>
+              <a:rPr lang="ko-KR" altLang="en-US" dirty="0"/>
               <a:t>여전히 헬멧 </a:t>
             </a:r>
             <a:r>
-              <a:rPr lang="ko-KR" altLang="en-US" sz="1600" b="1" i="0" dirty="0" err="1">
-                <a:solidFill>
-                  <a:srgbClr val="222222"/>
-                </a:solidFill>
-                <a:effectLst/>
-                <a:latin typeface="Noto Sans KR"/>
-              </a:rPr>
+              <a:rPr lang="ko-KR" altLang="en-US" dirty="0" err="1"/>
               <a:t>안쓴</a:t>
             </a:r>
             <a:r>
-              <a:rPr lang="ko-KR" altLang="en-US" sz="1600" b="1" i="0" dirty="0">
-                <a:solidFill>
-                  <a:srgbClr val="222222"/>
-                </a:solidFill>
-                <a:effectLst/>
-                <a:latin typeface="Noto Sans KR"/>
-              </a:rPr>
-              <a:t> 이용자가 태반</a:t>
-            </a:r>
-            <a:br>
-              <a:rPr lang="ko-KR" altLang="en-US" sz="1600" b="1" i="0" dirty="0">
-                <a:solidFill>
-                  <a:srgbClr val="222222"/>
-                </a:solidFill>
-                <a:effectLst/>
-                <a:latin typeface="Noto Sans KR"/>
-              </a:rPr>
-            </a:br>
-            <a:r>
-              <a:rPr lang="ko-KR" altLang="en-US" sz="1600" b="1" i="0" dirty="0">
-                <a:solidFill>
-                  <a:srgbClr val="222222"/>
-                </a:solidFill>
-                <a:effectLst/>
-                <a:latin typeface="Noto Sans KR"/>
-              </a:rPr>
-              <a:t>업체는 </a:t>
-            </a:r>
-            <a:r>
-              <a:rPr lang="en-US" altLang="ko-KR" sz="1600" b="1" i="0" dirty="0">
-                <a:solidFill>
-                  <a:srgbClr val="222222"/>
-                </a:solidFill>
-                <a:effectLst/>
-                <a:latin typeface="Noto Sans KR"/>
-              </a:rPr>
+              <a:rPr lang="ko-KR" altLang="en-US" dirty="0"/>
+              <a:t> 이용자가 태반 업체는 </a:t>
+            </a:r>
+            <a:r>
+              <a:rPr lang="en-US" altLang="ko-KR" dirty="0"/>
               <a:t>'</a:t>
             </a:r>
             <a:r>
-              <a:rPr lang="ko-KR" altLang="en-US" sz="1600" b="1" i="0" dirty="0">
-                <a:solidFill>
-                  <a:srgbClr val="222222"/>
-                </a:solidFill>
-                <a:effectLst/>
-                <a:latin typeface="Noto Sans KR"/>
-              </a:rPr>
+              <a:rPr lang="ko-KR" altLang="en-US" dirty="0"/>
               <a:t>불법주차</a:t>
             </a:r>
             <a:r>
-              <a:rPr lang="en-US" altLang="ko-KR" sz="1600" b="1" i="0" dirty="0">
-                <a:solidFill>
-                  <a:srgbClr val="222222"/>
-                </a:solidFill>
-                <a:effectLst/>
-                <a:latin typeface="Noto Sans KR"/>
-              </a:rPr>
+              <a:rPr lang="en-US" altLang="ko-KR" dirty="0"/>
               <a:t>·</a:t>
             </a:r>
             <a:r>
-              <a:rPr lang="ko-KR" altLang="en-US" sz="1600" b="1" i="0" dirty="0">
-                <a:solidFill>
-                  <a:srgbClr val="222222"/>
-                </a:solidFill>
-                <a:effectLst/>
-                <a:latin typeface="Noto Sans KR"/>
-              </a:rPr>
+              <a:rPr lang="ko-KR" altLang="en-US" dirty="0"/>
               <a:t>헬멧 손실</a:t>
             </a:r>
             <a:r>
-              <a:rPr lang="en-US" altLang="ko-KR" sz="1600" b="1" i="0" dirty="0">
-                <a:solidFill>
-                  <a:srgbClr val="222222"/>
-                </a:solidFill>
-                <a:effectLst/>
-                <a:latin typeface="Noto Sans KR"/>
-              </a:rPr>
+              <a:rPr lang="en-US" altLang="ko-KR" dirty="0"/>
               <a:t>'</a:t>
             </a:r>
             <a:r>
-              <a:rPr lang="ko-KR" altLang="en-US" sz="1600" b="1" i="0" dirty="0">
-                <a:solidFill>
-                  <a:srgbClr val="222222"/>
-                </a:solidFill>
-                <a:effectLst/>
-                <a:latin typeface="Noto Sans KR"/>
-              </a:rPr>
-              <a:t>에 몸살</a:t>
-            </a:r>
-            <a:br>
-              <a:rPr lang="ko-KR" altLang="en-US" sz="1600" b="1" i="0" dirty="0">
-                <a:solidFill>
-                  <a:srgbClr val="222222"/>
-                </a:solidFill>
-                <a:effectLst/>
-                <a:latin typeface="Noto Sans KR"/>
-              </a:rPr>
-            </a:br>
-            <a:r>
-              <a:rPr lang="en-US" altLang="ko-KR" sz="1600" b="1" i="0" dirty="0">
-                <a:solidFill>
-                  <a:srgbClr val="222222"/>
-                </a:solidFill>
-                <a:effectLst/>
-                <a:latin typeface="Noto Sans KR"/>
-              </a:rPr>
+              <a:rPr lang="ko-KR" altLang="en-US" dirty="0"/>
+              <a:t>에 몸살 </a:t>
+            </a:r>
+            <a:r>
+              <a:rPr lang="en-US" altLang="ko-KR" dirty="0"/>
               <a:t>'</a:t>
             </a:r>
             <a:r>
-              <a:rPr lang="ko-KR" altLang="en-US" sz="1600" b="1" i="0" dirty="0">
-                <a:solidFill>
-                  <a:srgbClr val="222222"/>
-                </a:solidFill>
-                <a:effectLst/>
-                <a:latin typeface="Noto Sans KR"/>
-              </a:rPr>
+              <a:rPr lang="ko-KR" altLang="en-US" dirty="0"/>
               <a:t>땜질 처방</a:t>
             </a:r>
             <a:r>
-              <a:rPr lang="en-US" altLang="ko-KR" sz="1600" b="1" i="0" dirty="0">
-                <a:solidFill>
-                  <a:srgbClr val="222222"/>
-                </a:solidFill>
-                <a:effectLst/>
-                <a:latin typeface="Noto Sans KR"/>
-              </a:rPr>
+              <a:rPr lang="en-US" altLang="ko-KR" dirty="0"/>
               <a:t>'</a:t>
             </a:r>
             <a:r>
-              <a:rPr lang="ko-KR" altLang="en-US" sz="1600" b="1" i="0" dirty="0">
-                <a:solidFill>
-                  <a:srgbClr val="222222"/>
-                </a:solidFill>
-                <a:effectLst/>
-                <a:latin typeface="Noto Sans KR"/>
-              </a:rPr>
+              <a:rPr lang="ko-KR" altLang="en-US" dirty="0"/>
               <a:t>의 한계</a:t>
             </a:r>
             <a:r>
-              <a:rPr lang="en-US" altLang="ko-KR" sz="1600" b="1" i="0" dirty="0">
-                <a:solidFill>
-                  <a:srgbClr val="222222"/>
-                </a:solidFill>
-                <a:effectLst/>
-                <a:latin typeface="Noto Sans KR"/>
-              </a:rPr>
+              <a:rPr lang="en-US" altLang="ko-KR" dirty="0"/>
               <a:t>...</a:t>
             </a:r>
             <a:r>
-              <a:rPr lang="ko-KR" altLang="en-US" sz="1600" b="1" i="0" dirty="0">
-                <a:solidFill>
-                  <a:srgbClr val="222222"/>
-                </a:solidFill>
-                <a:effectLst/>
-                <a:latin typeface="Noto Sans KR"/>
-              </a:rPr>
+              <a:rPr lang="ko-KR" altLang="en-US" dirty="0"/>
               <a:t>업계 특성 맞는 규제 마련해야</a:t>
             </a:r>
           </a:p>
           <a:p>
-            <a:endParaRPr lang="en-US" altLang="ko-KR" sz="1600" dirty="0">
-              <a:hlinkClick r:id="rId6"/>
-            </a:endParaRPr>
-          </a:p>
-          <a:p>
-            <a:r>
-              <a:rPr lang="en-US" altLang="ko-KR" sz="1600" dirty="0">
-                <a:hlinkClick r:id="rId6"/>
-              </a:rPr>
+            <a:endParaRPr lang="ko-KR" altLang="en-US" dirty="0"/>
+          </a:p>
+          <a:p>
+            <a:r>
+              <a:rPr lang="en-US" altLang="ko-KR" dirty="0"/>
               <a:t>https://zdnet.co.kr/view/?no=20210610104344</a:t>
             </a:r>
-            <a:endParaRPr lang="en-US" altLang="ko-KR" sz="1600" dirty="0"/>
-          </a:p>
-          <a:p>
-            <a:r>
-              <a:rPr lang="ko-KR" altLang="en-US" sz="1600" b="1" i="0" dirty="0" err="1">
-                <a:solidFill>
-                  <a:srgbClr val="080E14"/>
-                </a:solidFill>
-                <a:effectLst/>
-                <a:latin typeface="Nanum Gothic"/>
-              </a:rPr>
+          </a:p>
+          <a:p>
+            <a:r>
+              <a:rPr lang="ko-KR" altLang="en-US" dirty="0" err="1"/>
               <a:t>공유킥보드</a:t>
             </a:r>
             <a:r>
-              <a:rPr lang="ko-KR" altLang="en-US" sz="1600" b="1" i="0" dirty="0">
-                <a:solidFill>
-                  <a:srgbClr val="080E14"/>
-                </a:solidFill>
-                <a:effectLst/>
-                <a:latin typeface="Nanum Gothic"/>
-              </a:rPr>
+              <a:rPr lang="ko-KR" altLang="en-US" dirty="0"/>
               <a:t> 씽씽</a:t>
             </a:r>
             <a:r>
-              <a:rPr lang="en-US" altLang="ko-KR" sz="1600" b="1" i="0" dirty="0">
-                <a:solidFill>
-                  <a:srgbClr val="080E14"/>
-                </a:solidFill>
-                <a:effectLst/>
-                <a:latin typeface="Nanum Gothic"/>
-              </a:rPr>
+              <a:rPr lang="en-US" altLang="ko-KR" dirty="0"/>
               <a:t>, </a:t>
             </a:r>
             <a:r>
-              <a:rPr lang="ko-KR" altLang="en-US" sz="1600" b="1" i="0" dirty="0">
-                <a:solidFill>
-                  <a:srgbClr val="080E14"/>
-                </a:solidFill>
-                <a:effectLst/>
-                <a:latin typeface="Nanum Gothic"/>
-              </a:rPr>
+              <a:rPr lang="ko-KR" altLang="en-US" dirty="0"/>
               <a:t>전용 헬멧 출시</a:t>
             </a:r>
-            <a:endParaRPr lang="en-US" altLang="ko-KR" sz="1600" b="1" i="0" dirty="0">
-              <a:solidFill>
-                <a:srgbClr val="080E14"/>
-              </a:solidFill>
-              <a:effectLst/>
-              <a:latin typeface="Nanum Gothic"/>
-            </a:endParaRPr>
-          </a:p>
-          <a:p>
-            <a:endParaRPr lang="en-US" altLang="ko-KR" sz="1600" b="1" dirty="0">
-              <a:solidFill>
-                <a:srgbClr val="080E14"/>
-              </a:solidFill>
-              <a:latin typeface="Nanum Gothic"/>
-            </a:endParaRPr>
-          </a:p>
-          <a:p>
-            <a:r>
-              <a:rPr lang="en-US" altLang="ko-KR" sz="1600" b="1" i="0" dirty="0">
-                <a:solidFill>
-                  <a:srgbClr val="080E14"/>
-                </a:solidFill>
-                <a:effectLst/>
-                <a:latin typeface="Nanum Gothic"/>
-                <a:hlinkClick r:id="rId7"/>
-              </a:rPr>
+          </a:p>
+          <a:p>
+            <a:endParaRPr lang="ko-KR" altLang="en-US" dirty="0"/>
+          </a:p>
+          <a:p>
+            <a:r>
+              <a:rPr lang="en-US" altLang="ko-KR" dirty="0"/>
               <a:t>https://news.mt.co.kr/mtview.php?no=2021072809165012577</a:t>
             </a:r>
-            <a:endParaRPr lang="en-US" altLang="ko-KR" sz="1600" b="1" i="0" dirty="0">
-              <a:solidFill>
-                <a:srgbClr val="080E14"/>
-              </a:solidFill>
-              <a:effectLst/>
-              <a:latin typeface="Nanum Gothic"/>
-            </a:endParaRPr>
-          </a:p>
-          <a:p>
-            <a:r>
-              <a:rPr lang="en-US" altLang="ko-KR" sz="1600" b="1" i="0" dirty="0">
-                <a:solidFill>
-                  <a:srgbClr val="000000"/>
-                </a:solidFill>
-                <a:effectLst/>
-                <a:latin typeface="맑은고딕"/>
-              </a:rPr>
+          </a:p>
+          <a:p>
+            <a:r>
+              <a:rPr lang="en-US" altLang="ko-KR" dirty="0"/>
               <a:t>PM</a:t>
             </a:r>
             <a:r>
-              <a:rPr lang="ko-KR" altLang="en-US" sz="1600" b="1" i="0" dirty="0">
-                <a:solidFill>
-                  <a:srgbClr val="000000"/>
-                </a:solidFill>
-                <a:effectLst/>
-                <a:latin typeface="맑은고딕"/>
-              </a:rPr>
+              <a:rPr lang="ko-KR" altLang="en-US" dirty="0"/>
               <a:t>업계</a:t>
             </a:r>
             <a:r>
-              <a:rPr lang="en-US" altLang="ko-KR" sz="1600" b="1" i="0" dirty="0">
-                <a:solidFill>
-                  <a:srgbClr val="000000"/>
-                </a:solidFill>
-                <a:effectLst/>
-                <a:latin typeface="맑은고딕"/>
-              </a:rPr>
+              <a:rPr lang="en-US" altLang="ko-KR" dirty="0"/>
               <a:t>, </a:t>
             </a:r>
             <a:r>
-              <a:rPr lang="ko-KR" altLang="en-US" sz="1600" b="1" i="0" dirty="0" err="1">
-                <a:solidFill>
-                  <a:srgbClr val="000000"/>
-                </a:solidFill>
-                <a:effectLst/>
-                <a:latin typeface="맑은고딕"/>
-              </a:rPr>
+              <a:rPr lang="ko-KR" altLang="en-US" dirty="0" err="1"/>
               <a:t>전동킥보드</a:t>
             </a:r>
             <a:r>
-              <a:rPr lang="ko-KR" altLang="en-US" sz="1600" b="1" i="0" dirty="0">
-                <a:solidFill>
-                  <a:srgbClr val="000000"/>
-                </a:solidFill>
-                <a:effectLst/>
-                <a:latin typeface="맑은고딕"/>
-              </a:rPr>
+              <a:rPr lang="ko-KR" altLang="en-US" dirty="0"/>
               <a:t> 이용자 공용 헬멧 비치한다</a:t>
             </a:r>
           </a:p>
           <a:p>
-            <a:endParaRPr lang="en-US" altLang="ko-KR" sz="1600" b="1" dirty="0">
-              <a:solidFill>
-                <a:srgbClr val="080E14"/>
-              </a:solidFill>
-              <a:latin typeface="Nanum Gothic"/>
-            </a:endParaRPr>
-          </a:p>
-          <a:p>
-            <a:r>
-              <a:rPr lang="en-US" altLang="ko-KR" sz="1600" b="1" i="0" dirty="0">
-                <a:solidFill>
-                  <a:srgbClr val="080E14"/>
-                </a:solidFill>
-                <a:effectLst/>
-                <a:latin typeface="Nanum Gothic"/>
-                <a:hlinkClick r:id="rId8"/>
-              </a:rPr>
+            <a:endParaRPr lang="ko-KR" altLang="en-US" dirty="0"/>
+          </a:p>
+          <a:p>
+            <a:r>
+              <a:rPr lang="en-US" altLang="ko-KR" dirty="0"/>
               <a:t>https://www.flaticon.com/</a:t>
             </a:r>
-            <a:endParaRPr lang="en-US" altLang="ko-KR" sz="1600" b="1" i="0" dirty="0">
-              <a:solidFill>
-                <a:srgbClr val="080E14"/>
-              </a:solidFill>
-              <a:effectLst/>
-              <a:latin typeface="Nanum Gothic"/>
-            </a:endParaRPr>
-          </a:p>
-          <a:p>
-            <a:r>
-              <a:rPr lang="ko-KR" altLang="en-US" sz="1600" b="1" dirty="0" err="1">
-                <a:solidFill>
-                  <a:srgbClr val="080E14"/>
-                </a:solidFill>
-                <a:latin typeface="Nanum Gothic"/>
-              </a:rPr>
+          </a:p>
+          <a:p>
+            <a:r>
+              <a:rPr lang="ko-KR" altLang="en-US" dirty="0" err="1"/>
               <a:t>픽토그램</a:t>
             </a:r>
-            <a:endParaRPr lang="en-US" altLang="ko-KR" sz="1600" b="1" dirty="0">
-              <a:solidFill>
-                <a:srgbClr val="080E14"/>
-              </a:solidFill>
-              <a:latin typeface="Nanum Gothic"/>
-            </a:endParaRPr>
-          </a:p>
-          <a:p>
-            <a:endParaRPr lang="ko-KR" altLang="en-US" sz="1600" b="1" i="0" dirty="0">
-              <a:solidFill>
-                <a:srgbClr val="080E14"/>
-              </a:solidFill>
-              <a:effectLst/>
-              <a:latin typeface="Nanum Gothic"/>
-            </a:endParaRPr>
-          </a:p>
-          <a:p>
-            <a:endParaRPr lang="en-US" altLang="ko-KR" sz="1600" dirty="0"/>
+            <a:endParaRPr lang="ko-KR" altLang="en-US" dirty="0"/>
           </a:p>
         </p:txBody>
       </p:sp>
     </p:spTree>
     <p:extLst>
       <p:ext uri="{BB962C8B-B14F-4D97-AF65-F5344CB8AC3E}">
-        <p14:creationId xmlns:p14="http://schemas.microsoft.com/office/powerpoint/2010/main" val="719662487"/>
+        <p14:creationId xmlns:p14="http://schemas.microsoft.com/office/powerpoint/2010/main" val="910312976"/>
       </p:ext>
     </p:extLst>
   </p:cSld>

--- a/최종설계프로젝트/발표자료 셋업/server matrix control.pptx
+++ b/최종설계프로젝트/발표자료 셋업/server matrix control.pptx
@@ -449,7 +449,7 @@
           <a:p>
             <a:fld id="{59B5629A-4629-4D50-9073-43817A0AA1AA}" type="datetimeFigureOut">
               <a:rPr lang="ko-KR" altLang="en-US" smtClean="0"/>
-              <a:t>2021-12-05</a:t>
+              <a:t>2021-12-07</a:t>
             </a:fld>
             <a:endParaRPr lang="ko-KR" altLang="en-US"/>
           </a:p>
@@ -647,7 +647,7 @@
           <a:p>
             <a:fld id="{59B5629A-4629-4D50-9073-43817A0AA1AA}" type="datetimeFigureOut">
               <a:rPr lang="ko-KR" altLang="en-US" smtClean="0"/>
-              <a:t>2021-12-05</a:t>
+              <a:t>2021-12-07</a:t>
             </a:fld>
             <a:endParaRPr lang="ko-KR" altLang="en-US"/>
           </a:p>
@@ -855,7 +855,7 @@
           <a:p>
             <a:fld id="{59B5629A-4629-4D50-9073-43817A0AA1AA}" type="datetimeFigureOut">
               <a:rPr lang="ko-KR" altLang="en-US" smtClean="0"/>
-              <a:t>2021-12-05</a:t>
+              <a:t>2021-12-07</a:t>
             </a:fld>
             <a:endParaRPr lang="ko-KR" altLang="en-US"/>
           </a:p>
@@ -1053,7 +1053,7 @@
           <a:p>
             <a:fld id="{59B5629A-4629-4D50-9073-43817A0AA1AA}" type="datetimeFigureOut">
               <a:rPr lang="ko-KR" altLang="en-US" smtClean="0"/>
-              <a:t>2021-12-05</a:t>
+              <a:t>2021-12-07</a:t>
             </a:fld>
             <a:endParaRPr lang="ko-KR" altLang="en-US"/>
           </a:p>
@@ -1328,7 +1328,7 @@
           <a:p>
             <a:fld id="{59B5629A-4629-4D50-9073-43817A0AA1AA}" type="datetimeFigureOut">
               <a:rPr lang="ko-KR" altLang="en-US" smtClean="0"/>
-              <a:t>2021-12-05</a:t>
+              <a:t>2021-12-07</a:t>
             </a:fld>
             <a:endParaRPr lang="ko-KR" altLang="en-US"/>
           </a:p>
@@ -1593,7 +1593,7 @@
           <a:p>
             <a:fld id="{59B5629A-4629-4D50-9073-43817A0AA1AA}" type="datetimeFigureOut">
               <a:rPr lang="ko-KR" altLang="en-US" smtClean="0"/>
-              <a:t>2021-12-05</a:t>
+              <a:t>2021-12-07</a:t>
             </a:fld>
             <a:endParaRPr lang="ko-KR" altLang="en-US"/>
           </a:p>
@@ -2005,7 +2005,7 @@
           <a:p>
             <a:fld id="{59B5629A-4629-4D50-9073-43817A0AA1AA}" type="datetimeFigureOut">
               <a:rPr lang="ko-KR" altLang="en-US" smtClean="0"/>
-              <a:t>2021-12-05</a:t>
+              <a:t>2021-12-07</a:t>
             </a:fld>
             <a:endParaRPr lang="ko-KR" altLang="en-US"/>
           </a:p>
@@ -2146,7 +2146,7 @@
           <a:p>
             <a:fld id="{59B5629A-4629-4D50-9073-43817A0AA1AA}" type="datetimeFigureOut">
               <a:rPr lang="ko-KR" altLang="en-US" smtClean="0"/>
-              <a:t>2021-12-05</a:t>
+              <a:t>2021-12-07</a:t>
             </a:fld>
             <a:endParaRPr lang="ko-KR" altLang="en-US"/>
           </a:p>
@@ -2259,7 +2259,7 @@
           <a:p>
             <a:fld id="{59B5629A-4629-4D50-9073-43817A0AA1AA}" type="datetimeFigureOut">
               <a:rPr lang="ko-KR" altLang="en-US" smtClean="0"/>
-              <a:t>2021-12-05</a:t>
+              <a:t>2021-12-07</a:t>
             </a:fld>
             <a:endParaRPr lang="ko-KR" altLang="en-US"/>
           </a:p>
@@ -2570,7 +2570,7 @@
           <a:p>
             <a:fld id="{59B5629A-4629-4D50-9073-43817A0AA1AA}" type="datetimeFigureOut">
               <a:rPr lang="ko-KR" altLang="en-US" smtClean="0"/>
-              <a:t>2021-12-05</a:t>
+              <a:t>2021-12-07</a:t>
             </a:fld>
             <a:endParaRPr lang="ko-KR" altLang="en-US"/>
           </a:p>
@@ -2858,7 +2858,7 @@
           <a:p>
             <a:fld id="{59B5629A-4629-4D50-9073-43817A0AA1AA}" type="datetimeFigureOut">
               <a:rPr lang="ko-KR" altLang="en-US" smtClean="0"/>
-              <a:t>2021-12-05</a:t>
+              <a:t>2021-12-07</a:t>
             </a:fld>
             <a:endParaRPr lang="ko-KR" altLang="en-US"/>
           </a:p>
@@ -3099,7 +3099,7 @@
           <a:p>
             <a:fld id="{59B5629A-4629-4D50-9073-43817A0AA1AA}" type="datetimeFigureOut">
               <a:rPr lang="ko-KR" altLang="en-US" smtClean="0"/>
-              <a:t>2021-12-05</a:t>
+              <a:t>2021-12-07</a:t>
             </a:fld>
             <a:endParaRPr lang="ko-KR" altLang="en-US"/>
           </a:p>
@@ -4646,7 +4646,7 @@
         <p:spPr>
           <a:xfrm>
             <a:off x="62144" y="133165"/>
-            <a:ext cx="10972800" cy="6186309"/>
+            <a:ext cx="10972800" cy="7017306"/>
           </a:xfrm>
           <a:prstGeom prst="rect">
             <a:avLst/>
@@ -4660,9 +4660,15 @@
           <a:lstStyle/>
           <a:p>
             <a:r>
-              <a:rPr lang="en-US" altLang="ko-KR" dirty="0"/>
+              <a:rPr lang="en-US" altLang="ko-KR" dirty="0">
+                <a:hlinkClick r:id="rId2"/>
+              </a:rPr>
               <a:t>https://www.donga.com/news/Society/article/all/20210513/106906796/1</a:t>
             </a:r>
+            <a:br>
+              <a:rPr lang="en-US" altLang="ko-KR" dirty="0"/>
+            </a:br>
+            <a:endParaRPr lang="en-US" altLang="ko-KR" dirty="0"/>
           </a:p>
           <a:p>
             <a:r>
@@ -4700,9 +4706,15 @@
           </a:p>
           <a:p>
             <a:r>
-              <a:rPr lang="en-US" altLang="ko-KR" dirty="0"/>
+              <a:rPr lang="en-US" altLang="ko-KR" dirty="0">
+                <a:hlinkClick r:id="rId3"/>
+              </a:rPr>
               <a:t>https://www.hani.co.kr/arti/economy/finance/1002005.html</a:t>
             </a:r>
+            <a:br>
+              <a:rPr lang="en-US" altLang="ko-KR" dirty="0"/>
+            </a:br>
+            <a:endParaRPr lang="en-US" altLang="ko-KR" dirty="0"/>
           </a:p>
           <a:p>
             <a:r>
@@ -4741,9 +4753,15 @@
           </a:p>
           <a:p>
             <a:r>
-              <a:rPr lang="en-US" altLang="ko-KR" dirty="0"/>
+              <a:rPr lang="en-US" altLang="ko-KR" dirty="0">
+                <a:hlinkClick r:id="rId4"/>
+              </a:rPr>
               <a:t>https://www.joongang.co.kr/article/24026224#home</a:t>
             </a:r>
+            <a:br>
+              <a:rPr lang="en-US" altLang="ko-KR" dirty="0"/>
+            </a:br>
+            <a:endParaRPr lang="en-US" altLang="ko-KR" dirty="0"/>
           </a:p>
           <a:p>
             <a:r>
@@ -4764,11 +4782,14 @@
           </a:p>
           <a:p>
             <a:r>
-              <a:rPr lang="en-US" altLang="ko-KR" dirty="0"/>
+              <a:rPr lang="en-US" altLang="ko-KR" dirty="0">
+                <a:hlinkClick r:id="rId5"/>
+              </a:rPr>
               <a:t>https://www.techm.kr/news/articleView.html?idxno=88385</a:t>
             </a:r>
-          </a:p>
-          <a:p>
+            <a:br>
+              <a:rPr lang="en-US" altLang="ko-KR" dirty="0"/>
+            </a:br>
             <a:r>
               <a:rPr lang="ko-KR" altLang="en-US" dirty="0"/>
               <a:t>여전히 헬멧 </a:t>
@@ -4835,11 +4856,14 @@
           </a:p>
           <a:p>
             <a:r>
-              <a:rPr lang="en-US" altLang="ko-KR" dirty="0"/>
+              <a:rPr lang="en-US" altLang="ko-KR" dirty="0">
+                <a:hlinkClick r:id="rId6"/>
+              </a:rPr>
               <a:t>https://zdnet.co.kr/view/?no=20210610104344</a:t>
             </a:r>
-          </a:p>
-          <a:p>
+            <a:br>
+              <a:rPr lang="en-US" altLang="ko-KR" dirty="0"/>
+            </a:br>
             <a:r>
               <a:rPr lang="ko-KR" altLang="en-US" dirty="0" err="1"/>
               <a:t>공유킥보드</a:t>
@@ -4862,11 +4886,14 @@
           </a:p>
           <a:p>
             <a:r>
-              <a:rPr lang="en-US" altLang="ko-KR" dirty="0"/>
+              <a:rPr lang="en-US" altLang="ko-KR" dirty="0">
+                <a:hlinkClick r:id="rId7"/>
+              </a:rPr>
               <a:t>https://news.mt.co.kr/mtview.php?no=2021072809165012577</a:t>
             </a:r>
-          </a:p>
-          <a:p>
+            <a:br>
+              <a:rPr lang="en-US" altLang="ko-KR" dirty="0"/>
+            </a:br>
             <a:r>
               <a:rPr lang="en-US" altLang="ko-KR" dirty="0"/>
               <a:t>PM</a:t>
@@ -4893,11 +4920,14 @@
           </a:p>
           <a:p>
             <a:r>
-              <a:rPr lang="en-US" altLang="ko-KR" dirty="0"/>
-              <a:t>https://www.flaticon.com/</a:t>
-            </a:r>
-          </a:p>
-          <a:p>
+              <a:rPr lang="en-US" altLang="ko-KR" dirty="0">
+                <a:hlinkClick r:id="rId8"/>
+              </a:rPr>
+              <a:t>https://www.flaticon.com</a:t>
+            </a:r>
+            <a:br>
+              <a:rPr lang="en-US" altLang="ko-KR" dirty="0"/>
+            </a:br>
             <a:r>
               <a:rPr lang="ko-KR" altLang="en-US" dirty="0" err="1"/>
               <a:t>픽토그램</a:t>
